--- a/Preentrega2.pptx
+++ b/Preentrega2.pptx
@@ -1,40 +1,40 @@
 
 <file path=ppt/presentation.xml><?xml version="1.0" encoding="utf-8"?>
-<p:presentation xmlns:a="http://schemas.openxmlformats.org/drawingml/2006/main" xmlns:r="http://schemas.openxmlformats.org/officeDocument/2006/relationships" xmlns:p="http://schemas.openxmlformats.org/presentationml/2006/main" saveSubsetFonts="1" embedTrueTypeFonts="true">
+<p:presentation xmlns:a="http://schemas.openxmlformats.org/drawingml/2006/main" xmlns:r="http://schemas.openxmlformats.org/officeDocument/2006/relationships" xmlns:p="http://schemas.openxmlformats.org/presentationml/2006/main" embedTrueTypeFonts="1" saveSubsetFonts="1">
   <p:sldMasterIdLst>
     <p:sldMasterId id="2147483648" r:id="rId1"/>
   </p:sldMasterIdLst>
   <p:sldIdLst>
-    <p:sldId id="256" r:id="rId6"/>
-    <p:sldId id="257" r:id="rId7"/>
-    <p:sldId id="258" r:id="rId8"/>
-    <p:sldId id="259" r:id="rId9"/>
-    <p:sldId id="260" r:id="rId10"/>
-    <p:sldId id="261" r:id="rId11"/>
-    <p:sldId id="262" r:id="rId12"/>
-    <p:sldId id="263" r:id="rId13"/>
-    <p:sldId id="264" r:id="rId14"/>
-    <p:sldId id="265" r:id="rId15"/>
-    <p:sldId id="266" r:id="rId16"/>
+    <p:sldId id="256" r:id="rId2"/>
+    <p:sldId id="257" r:id="rId3"/>
+    <p:sldId id="258" r:id="rId4"/>
+    <p:sldId id="259" r:id="rId5"/>
+    <p:sldId id="260" r:id="rId6"/>
+    <p:sldId id="261" r:id="rId7"/>
+    <p:sldId id="262" r:id="rId8"/>
+    <p:sldId id="263" r:id="rId9"/>
+    <p:sldId id="264" r:id="rId10"/>
+    <p:sldId id="265" r:id="rId11"/>
+    <p:sldId id="266" r:id="rId12"/>
   </p:sldIdLst>
   <p:sldSz cx="18288000" cy="10287000"/>
   <p:notesSz cx="6858000" cy="9144000"/>
   <p:embeddedFontLst>
     <p:embeddedFont>
-      <p:font typeface="Open Sans Ultra-Bold" charset="1" panose="00000000000000000000"/>
-      <p:regular r:id="rId17"/>
+      <p:font typeface="Open Sans" panose="020B0606030504020204" pitchFamily="34" charset="0"/>
+      <p:regular r:id="rId13"/>
     </p:embeddedFont>
     <p:embeddedFont>
-      <p:font typeface="Open Sans Medium" charset="1" panose="00000000000000000000"/>
-      <p:regular r:id="rId18"/>
+      <p:font typeface="Open Sans Bold" panose="020B0806030504020204" charset="0"/>
+      <p:regular r:id="rId14"/>
     </p:embeddedFont>
     <p:embeddedFont>
-      <p:font typeface="Open Sans Bold" charset="1" panose="00000000000000000000"/>
-      <p:regular r:id="rId19"/>
+      <p:font typeface="Open Sans Medium" panose="020B0604020202020204" charset="0"/>
+      <p:regular r:id="rId15"/>
     </p:embeddedFont>
     <p:embeddedFont>
-      <p:font typeface="Open Sans" charset="1" panose="00000000000000000000"/>
-      <p:regular r:id="rId20"/>
+      <p:font typeface="Open Sans Ultra-Bold" panose="020B0604020202020204" charset="0"/>
+      <p:regular r:id="rId16"/>
     </p:embeddedFont>
   </p:embeddedFontLst>
   <p:defaultTextStyle>
@@ -132,6 +132,22 @@
       </a:defRPr>
     </a:lvl9pPr>
   </p:defaultTextStyle>
+  <p:extLst>
+    <p:ext uri="{EFAFB233-063F-42B5-8137-9DF3F51BA10A}">
+      <p15:sldGuideLst xmlns:p15="http://schemas.microsoft.com/office/powerpoint/2012/main">
+        <p15:guide id="1" orient="horz" pos="2160">
+          <p15:clr>
+            <a:srgbClr val="A4A3A4"/>
+          </p15:clr>
+        </p15:guide>
+        <p15:guide id="2" pos="2880">
+          <p15:clr>
+            <a:srgbClr val="A4A3A4"/>
+          </p15:clr>
+        </p15:guide>
+      </p15:sldGuideLst>
+    </p:ext>
+  </p:extLst>
 </p:presentation>
 </file>
 
@@ -173,10 +189,9 @@
           <a:lstStyle/>
           <a:p>
             <a:r>
-              <a:rPr lang="en-US" smtClean="0"/>
+              <a:rPr lang="en-US"/>
               <a:t>Click to edit Master title style</a:t>
             </a:r>
-            <a:endParaRPr lang="en-US"/>
           </a:p>
         </p:txBody>
       </p:sp>
@@ -292,10 +307,9 @@
           </a:lstStyle>
           <a:p>
             <a:r>
-              <a:rPr lang="en-US" smtClean="0"/>
+              <a:rPr lang="en-US"/>
               <a:t>Click to edit Master subtitle style</a:t>
             </a:r>
-            <a:endParaRPr lang="en-US"/>
           </a:p>
         </p:txBody>
       </p:sp>
@@ -317,7 +331,7 @@
             <a:fld id="{1D8BD707-D9CF-40AE-B4C6-C98DA3205C09}" type="datetimeFigureOut">
               <a:rPr lang="en-US" smtClean="0"/>
               <a:pPr/>
-              <a:t>8/1/2011</a:t>
+              <a:t>3/2/2025</a:t>
             </a:fld>
             <a:endParaRPr lang="en-US"/>
           </a:p>
@@ -360,7 +374,7 @@
             <a:fld id="{B6F15528-21DE-4FAA-801E-634DDDAF4B2B}" type="slidenum">
               <a:rPr lang="en-US" smtClean="0"/>
               <a:pPr/>
-              <a:t>‹#›</a:t>
+              <a:t>‹Nº›</a:t>
             </a:fld>
             <a:endParaRPr lang="en-US"/>
           </a:p>
@@ -407,10 +421,9 @@
           <a:lstStyle/>
           <a:p>
             <a:r>
-              <a:rPr lang="en-US" smtClean="0"/>
+              <a:rPr lang="en-US"/>
               <a:t>Click to edit Master title style</a:t>
             </a:r>
-            <a:endParaRPr lang="en-US"/>
           </a:p>
         </p:txBody>
       </p:sp>
@@ -431,38 +444,37 @@
           <a:p>
             <a:pPr lvl="0"/>
             <a:r>
-              <a:rPr lang="en-US" smtClean="0"/>
+              <a:rPr lang="en-US"/>
               <a:t>Click to edit Master text styles</a:t>
             </a:r>
           </a:p>
           <a:p>
             <a:pPr lvl="1"/>
             <a:r>
-              <a:rPr lang="en-US" smtClean="0"/>
+              <a:rPr lang="en-US"/>
               <a:t>Second level</a:t>
             </a:r>
           </a:p>
           <a:p>
             <a:pPr lvl="2"/>
             <a:r>
-              <a:rPr lang="en-US" smtClean="0"/>
+              <a:rPr lang="en-US"/>
               <a:t>Third level</a:t>
             </a:r>
           </a:p>
           <a:p>
             <a:pPr lvl="3"/>
             <a:r>
-              <a:rPr lang="en-US" smtClean="0"/>
+              <a:rPr lang="en-US"/>
               <a:t>Fourth level</a:t>
             </a:r>
           </a:p>
           <a:p>
             <a:pPr lvl="4"/>
             <a:r>
-              <a:rPr lang="en-US" smtClean="0"/>
+              <a:rPr lang="en-US"/>
               <a:t>Fifth level</a:t>
             </a:r>
-            <a:endParaRPr lang="en-US"/>
           </a:p>
         </p:txBody>
       </p:sp>
@@ -484,7 +496,7 @@
             <a:fld id="{1D8BD707-D9CF-40AE-B4C6-C98DA3205C09}" type="datetimeFigureOut">
               <a:rPr lang="en-US" smtClean="0"/>
               <a:pPr/>
-              <a:t>8/1/2011</a:t>
+              <a:t>3/2/2025</a:t>
             </a:fld>
             <a:endParaRPr lang="en-US"/>
           </a:p>
@@ -527,7 +539,7 @@
             <a:fld id="{B6F15528-21DE-4FAA-801E-634DDDAF4B2B}" type="slidenum">
               <a:rPr lang="en-US" smtClean="0"/>
               <a:pPr/>
-              <a:t>‹#›</a:t>
+              <a:t>‹Nº›</a:t>
             </a:fld>
             <a:endParaRPr lang="en-US"/>
           </a:p>
@@ -579,10 +591,9 @@
           <a:lstStyle/>
           <a:p>
             <a:r>
-              <a:rPr lang="en-US" smtClean="0"/>
+              <a:rPr lang="en-US"/>
               <a:t>Click to edit Master title style</a:t>
             </a:r>
-            <a:endParaRPr lang="en-US"/>
           </a:p>
         </p:txBody>
       </p:sp>
@@ -608,38 +619,37 @@
           <a:p>
             <a:pPr lvl="0"/>
             <a:r>
-              <a:rPr lang="en-US" smtClean="0"/>
+              <a:rPr lang="en-US"/>
               <a:t>Click to edit Master text styles</a:t>
             </a:r>
           </a:p>
           <a:p>
             <a:pPr lvl="1"/>
             <a:r>
-              <a:rPr lang="en-US" smtClean="0"/>
+              <a:rPr lang="en-US"/>
               <a:t>Second level</a:t>
             </a:r>
           </a:p>
           <a:p>
             <a:pPr lvl="2"/>
             <a:r>
-              <a:rPr lang="en-US" smtClean="0"/>
+              <a:rPr lang="en-US"/>
               <a:t>Third level</a:t>
             </a:r>
           </a:p>
           <a:p>
             <a:pPr lvl="3"/>
             <a:r>
-              <a:rPr lang="en-US" smtClean="0"/>
+              <a:rPr lang="en-US"/>
               <a:t>Fourth level</a:t>
             </a:r>
           </a:p>
           <a:p>
             <a:pPr lvl="4"/>
             <a:r>
-              <a:rPr lang="en-US" smtClean="0"/>
+              <a:rPr lang="en-US"/>
               <a:t>Fifth level</a:t>
             </a:r>
-            <a:endParaRPr lang="en-US"/>
           </a:p>
         </p:txBody>
       </p:sp>
@@ -661,7 +671,7 @@
             <a:fld id="{1D8BD707-D9CF-40AE-B4C6-C98DA3205C09}" type="datetimeFigureOut">
               <a:rPr lang="en-US" smtClean="0"/>
               <a:pPr/>
-              <a:t>8/1/2011</a:t>
+              <a:t>3/2/2025</a:t>
             </a:fld>
             <a:endParaRPr lang="en-US"/>
           </a:p>
@@ -704,7 +714,7 @@
             <a:fld id="{B6F15528-21DE-4FAA-801E-634DDDAF4B2B}" type="slidenum">
               <a:rPr lang="en-US" smtClean="0"/>
               <a:pPr/>
-              <a:t>‹#›</a:t>
+              <a:t>‹Nº›</a:t>
             </a:fld>
             <a:endParaRPr lang="en-US"/>
           </a:p>
@@ -751,10 +761,9 @@
           <a:lstStyle/>
           <a:p>
             <a:r>
-              <a:rPr lang="en-US" smtClean="0"/>
+              <a:rPr lang="en-US"/>
               <a:t>Click to edit Master title style</a:t>
             </a:r>
-            <a:endParaRPr lang="en-US"/>
           </a:p>
         </p:txBody>
       </p:sp>
@@ -775,38 +784,37 @@
           <a:p>
             <a:pPr lvl="0"/>
             <a:r>
-              <a:rPr lang="en-US" smtClean="0"/>
+              <a:rPr lang="en-US"/>
               <a:t>Click to edit Master text styles</a:t>
             </a:r>
           </a:p>
           <a:p>
             <a:pPr lvl="1"/>
             <a:r>
-              <a:rPr lang="en-US" smtClean="0"/>
+              <a:rPr lang="en-US"/>
               <a:t>Second level</a:t>
             </a:r>
           </a:p>
           <a:p>
             <a:pPr lvl="2"/>
             <a:r>
-              <a:rPr lang="en-US" smtClean="0"/>
+              <a:rPr lang="en-US"/>
               <a:t>Third level</a:t>
             </a:r>
           </a:p>
           <a:p>
             <a:pPr lvl="3"/>
             <a:r>
-              <a:rPr lang="en-US" smtClean="0"/>
+              <a:rPr lang="en-US"/>
               <a:t>Fourth level</a:t>
             </a:r>
           </a:p>
           <a:p>
             <a:pPr lvl="4"/>
             <a:r>
-              <a:rPr lang="en-US" smtClean="0"/>
+              <a:rPr lang="en-US"/>
               <a:t>Fifth level</a:t>
             </a:r>
-            <a:endParaRPr lang="en-US"/>
           </a:p>
         </p:txBody>
       </p:sp>
@@ -828,7 +836,7 @@
             <a:fld id="{1D8BD707-D9CF-40AE-B4C6-C98DA3205C09}" type="datetimeFigureOut">
               <a:rPr lang="en-US" smtClean="0"/>
               <a:pPr/>
-              <a:t>8/1/2011</a:t>
+              <a:t>3/2/2025</a:t>
             </a:fld>
             <a:endParaRPr lang="en-US"/>
           </a:p>
@@ -871,7 +879,7 @@
             <a:fld id="{B6F15528-21DE-4FAA-801E-634DDDAF4B2B}" type="slidenum">
               <a:rPr lang="en-US" smtClean="0"/>
               <a:pPr/>
-              <a:t>‹#›</a:t>
+              <a:t>‹Nº›</a:t>
             </a:fld>
             <a:endParaRPr lang="en-US"/>
           </a:p>
@@ -927,10 +935,9 @@
           </a:lstStyle>
           <a:p>
             <a:r>
-              <a:rPr lang="en-US" smtClean="0"/>
+              <a:rPr lang="en-US"/>
               <a:t>Click to edit Master title style</a:t>
             </a:r>
-            <a:endParaRPr lang="en-US"/>
           </a:p>
         </p:txBody>
       </p:sp>
@@ -1047,7 +1054,7 @@
           <a:p>
             <a:pPr lvl="0"/>
             <a:r>
-              <a:rPr lang="en-US" smtClean="0"/>
+              <a:rPr lang="en-US"/>
               <a:t>Click to edit Master text styles</a:t>
             </a:r>
           </a:p>
@@ -1071,7 +1078,7 @@
             <a:fld id="{1D8BD707-D9CF-40AE-B4C6-C98DA3205C09}" type="datetimeFigureOut">
               <a:rPr lang="en-US" smtClean="0"/>
               <a:pPr/>
-              <a:t>8/1/2011</a:t>
+              <a:t>3/2/2025</a:t>
             </a:fld>
             <a:endParaRPr lang="en-US"/>
           </a:p>
@@ -1114,7 +1121,7 @@
             <a:fld id="{B6F15528-21DE-4FAA-801E-634DDDAF4B2B}" type="slidenum">
               <a:rPr lang="en-US" smtClean="0"/>
               <a:pPr/>
-              <a:t>‹#›</a:t>
+              <a:t>‹Nº›</a:t>
             </a:fld>
             <a:endParaRPr lang="en-US"/>
           </a:p>
@@ -1161,10 +1168,9 @@
           <a:lstStyle/>
           <a:p>
             <a:r>
-              <a:rPr lang="en-US" smtClean="0"/>
+              <a:rPr lang="en-US"/>
               <a:t>Click to edit Master title style</a:t>
             </a:r>
-            <a:endParaRPr lang="en-US"/>
           </a:p>
         </p:txBody>
       </p:sp>
@@ -1218,38 +1224,37 @@
           <a:p>
             <a:pPr lvl="0"/>
             <a:r>
-              <a:rPr lang="en-US" smtClean="0"/>
+              <a:rPr lang="en-US"/>
               <a:t>Click to edit Master text styles</a:t>
             </a:r>
           </a:p>
           <a:p>
             <a:pPr lvl="1"/>
             <a:r>
-              <a:rPr lang="en-US" smtClean="0"/>
+              <a:rPr lang="en-US"/>
               <a:t>Second level</a:t>
             </a:r>
           </a:p>
           <a:p>
             <a:pPr lvl="2"/>
             <a:r>
-              <a:rPr lang="en-US" smtClean="0"/>
+              <a:rPr lang="en-US"/>
               <a:t>Third level</a:t>
             </a:r>
           </a:p>
           <a:p>
             <a:pPr lvl="3"/>
             <a:r>
-              <a:rPr lang="en-US" smtClean="0"/>
+              <a:rPr lang="en-US"/>
               <a:t>Fourth level</a:t>
             </a:r>
           </a:p>
           <a:p>
             <a:pPr lvl="4"/>
             <a:r>
-              <a:rPr lang="en-US" smtClean="0"/>
+              <a:rPr lang="en-US"/>
               <a:t>Fifth level</a:t>
             </a:r>
-            <a:endParaRPr lang="en-US"/>
           </a:p>
         </p:txBody>
       </p:sp>
@@ -1303,38 +1308,37 @@
           <a:p>
             <a:pPr lvl="0"/>
             <a:r>
-              <a:rPr lang="en-US" smtClean="0"/>
+              <a:rPr lang="en-US"/>
               <a:t>Click to edit Master text styles</a:t>
             </a:r>
           </a:p>
           <a:p>
             <a:pPr lvl="1"/>
             <a:r>
-              <a:rPr lang="en-US" smtClean="0"/>
+              <a:rPr lang="en-US"/>
               <a:t>Second level</a:t>
             </a:r>
           </a:p>
           <a:p>
             <a:pPr lvl="2"/>
             <a:r>
-              <a:rPr lang="en-US" smtClean="0"/>
+              <a:rPr lang="en-US"/>
               <a:t>Third level</a:t>
             </a:r>
           </a:p>
           <a:p>
             <a:pPr lvl="3"/>
             <a:r>
-              <a:rPr lang="en-US" smtClean="0"/>
+              <a:rPr lang="en-US"/>
               <a:t>Fourth level</a:t>
             </a:r>
           </a:p>
           <a:p>
             <a:pPr lvl="4"/>
             <a:r>
-              <a:rPr lang="en-US" smtClean="0"/>
+              <a:rPr lang="en-US"/>
               <a:t>Fifth level</a:t>
             </a:r>
-            <a:endParaRPr lang="en-US"/>
           </a:p>
         </p:txBody>
       </p:sp>
@@ -1356,7 +1360,7 @@
             <a:fld id="{1D8BD707-D9CF-40AE-B4C6-C98DA3205C09}" type="datetimeFigureOut">
               <a:rPr lang="en-US" smtClean="0"/>
               <a:pPr/>
-              <a:t>8/1/2011</a:t>
+              <a:t>3/2/2025</a:t>
             </a:fld>
             <a:endParaRPr lang="en-US"/>
           </a:p>
@@ -1399,7 +1403,7 @@
             <a:fld id="{B6F15528-21DE-4FAA-801E-634DDDAF4B2B}" type="slidenum">
               <a:rPr lang="en-US" smtClean="0"/>
               <a:pPr/>
-              <a:t>‹#›</a:t>
+              <a:t>‹Nº›</a:t>
             </a:fld>
             <a:endParaRPr lang="en-US"/>
           </a:p>
@@ -1450,10 +1454,9 @@
           </a:lstStyle>
           <a:p>
             <a:r>
-              <a:rPr lang="en-US" smtClean="0"/>
+              <a:rPr lang="en-US"/>
               <a:t>Click to edit Master title style</a:t>
             </a:r>
-            <a:endParaRPr lang="en-US"/>
           </a:p>
         </p:txBody>
       </p:sp>
@@ -1516,7 +1519,7 @@
           <a:p>
             <a:pPr lvl="0"/>
             <a:r>
-              <a:rPr lang="en-US" smtClean="0"/>
+              <a:rPr lang="en-US"/>
               <a:t>Click to edit Master text styles</a:t>
             </a:r>
           </a:p>
@@ -1572,38 +1575,37 @@
           <a:p>
             <a:pPr lvl="0"/>
             <a:r>
-              <a:rPr lang="en-US" smtClean="0"/>
+              <a:rPr lang="en-US"/>
               <a:t>Click to edit Master text styles</a:t>
             </a:r>
           </a:p>
           <a:p>
             <a:pPr lvl="1"/>
             <a:r>
-              <a:rPr lang="en-US" smtClean="0"/>
+              <a:rPr lang="en-US"/>
               <a:t>Second level</a:t>
             </a:r>
           </a:p>
           <a:p>
             <a:pPr lvl="2"/>
             <a:r>
-              <a:rPr lang="en-US" smtClean="0"/>
+              <a:rPr lang="en-US"/>
               <a:t>Third level</a:t>
             </a:r>
           </a:p>
           <a:p>
             <a:pPr lvl="3"/>
             <a:r>
-              <a:rPr lang="en-US" smtClean="0"/>
+              <a:rPr lang="en-US"/>
               <a:t>Fourth level</a:t>
             </a:r>
           </a:p>
           <a:p>
             <a:pPr lvl="4"/>
             <a:r>
-              <a:rPr lang="en-US" smtClean="0"/>
+              <a:rPr lang="en-US"/>
               <a:t>Fifth level</a:t>
             </a:r>
-            <a:endParaRPr lang="en-US"/>
           </a:p>
         </p:txBody>
       </p:sp>
@@ -1666,7 +1668,7 @@
           <a:p>
             <a:pPr lvl="0"/>
             <a:r>
-              <a:rPr lang="en-US" smtClean="0"/>
+              <a:rPr lang="en-US"/>
               <a:t>Click to edit Master text styles</a:t>
             </a:r>
           </a:p>
@@ -1722,38 +1724,37 @@
           <a:p>
             <a:pPr lvl="0"/>
             <a:r>
-              <a:rPr lang="en-US" smtClean="0"/>
+              <a:rPr lang="en-US"/>
               <a:t>Click to edit Master text styles</a:t>
             </a:r>
           </a:p>
           <a:p>
             <a:pPr lvl="1"/>
             <a:r>
-              <a:rPr lang="en-US" smtClean="0"/>
+              <a:rPr lang="en-US"/>
               <a:t>Second level</a:t>
             </a:r>
           </a:p>
           <a:p>
             <a:pPr lvl="2"/>
             <a:r>
-              <a:rPr lang="en-US" smtClean="0"/>
+              <a:rPr lang="en-US"/>
               <a:t>Third level</a:t>
             </a:r>
           </a:p>
           <a:p>
             <a:pPr lvl="3"/>
             <a:r>
-              <a:rPr lang="en-US" smtClean="0"/>
+              <a:rPr lang="en-US"/>
               <a:t>Fourth level</a:t>
             </a:r>
           </a:p>
           <a:p>
             <a:pPr lvl="4"/>
             <a:r>
-              <a:rPr lang="en-US" smtClean="0"/>
+              <a:rPr lang="en-US"/>
               <a:t>Fifth level</a:t>
             </a:r>
-            <a:endParaRPr lang="en-US"/>
           </a:p>
         </p:txBody>
       </p:sp>
@@ -1775,7 +1776,7 @@
             <a:fld id="{1D8BD707-D9CF-40AE-B4C6-C98DA3205C09}" type="datetimeFigureOut">
               <a:rPr lang="en-US" smtClean="0"/>
               <a:pPr/>
-              <a:t>8/1/2011</a:t>
+              <a:t>3/2/2025</a:t>
             </a:fld>
             <a:endParaRPr lang="en-US"/>
           </a:p>
@@ -1818,7 +1819,7 @@
             <a:fld id="{B6F15528-21DE-4FAA-801E-634DDDAF4B2B}" type="slidenum">
               <a:rPr lang="en-US" smtClean="0"/>
               <a:pPr/>
-              <a:t>‹#›</a:t>
+              <a:t>‹Nº›</a:t>
             </a:fld>
             <a:endParaRPr lang="en-US"/>
           </a:p>
@@ -1865,10 +1866,9 @@
           <a:lstStyle/>
           <a:p>
             <a:r>
-              <a:rPr lang="en-US" smtClean="0"/>
+              <a:rPr lang="en-US"/>
               <a:t>Click to edit Master title style</a:t>
             </a:r>
-            <a:endParaRPr lang="en-US"/>
           </a:p>
         </p:txBody>
       </p:sp>
@@ -1890,7 +1890,7 @@
             <a:fld id="{1D8BD707-D9CF-40AE-B4C6-C98DA3205C09}" type="datetimeFigureOut">
               <a:rPr lang="en-US" smtClean="0"/>
               <a:pPr/>
-              <a:t>8/1/2011</a:t>
+              <a:t>3/2/2025</a:t>
             </a:fld>
             <a:endParaRPr lang="en-US"/>
           </a:p>
@@ -1933,7 +1933,7 @@
             <a:fld id="{B6F15528-21DE-4FAA-801E-634DDDAF4B2B}" type="slidenum">
               <a:rPr lang="en-US" smtClean="0"/>
               <a:pPr/>
-              <a:t>‹#›</a:t>
+              <a:t>‹Nº›</a:t>
             </a:fld>
             <a:endParaRPr lang="en-US"/>
           </a:p>
@@ -1982,7 +1982,7 @@
             <a:fld id="{1D8BD707-D9CF-40AE-B4C6-C98DA3205C09}" type="datetimeFigureOut">
               <a:rPr lang="en-US" smtClean="0"/>
               <a:pPr/>
-              <a:t>8/1/2011</a:t>
+              <a:t>3/2/2025</a:t>
             </a:fld>
             <a:endParaRPr lang="en-US"/>
           </a:p>
@@ -2025,7 +2025,7 @@
             <a:fld id="{B6F15528-21DE-4FAA-801E-634DDDAF4B2B}" type="slidenum">
               <a:rPr lang="en-US" smtClean="0"/>
               <a:pPr/>
-              <a:t>‹#›</a:t>
+              <a:t>‹Nº›</a:t>
             </a:fld>
             <a:endParaRPr lang="en-US"/>
           </a:p>
@@ -2081,10 +2081,9 @@
           </a:lstStyle>
           <a:p>
             <a:r>
-              <a:rPr lang="en-US" smtClean="0"/>
+              <a:rPr lang="en-US"/>
               <a:t>Click to edit Master title style</a:t>
             </a:r>
-            <a:endParaRPr lang="en-US"/>
           </a:p>
         </p:txBody>
       </p:sp>
@@ -2138,38 +2137,37 @@
           <a:p>
             <a:pPr lvl="0"/>
             <a:r>
-              <a:rPr lang="en-US" smtClean="0"/>
+              <a:rPr lang="en-US"/>
               <a:t>Click to edit Master text styles</a:t>
             </a:r>
           </a:p>
           <a:p>
             <a:pPr lvl="1"/>
             <a:r>
-              <a:rPr lang="en-US" smtClean="0"/>
+              <a:rPr lang="en-US"/>
               <a:t>Second level</a:t>
             </a:r>
           </a:p>
           <a:p>
             <a:pPr lvl="2"/>
             <a:r>
-              <a:rPr lang="en-US" smtClean="0"/>
+              <a:rPr lang="en-US"/>
               <a:t>Third level</a:t>
             </a:r>
           </a:p>
           <a:p>
             <a:pPr lvl="3"/>
             <a:r>
-              <a:rPr lang="en-US" smtClean="0"/>
+              <a:rPr lang="en-US"/>
               <a:t>Fourth level</a:t>
             </a:r>
           </a:p>
           <a:p>
             <a:pPr lvl="4"/>
             <a:r>
-              <a:rPr lang="en-US" smtClean="0"/>
+              <a:rPr lang="en-US"/>
               <a:t>Fifth level</a:t>
             </a:r>
-            <a:endParaRPr lang="en-US"/>
           </a:p>
         </p:txBody>
       </p:sp>
@@ -2232,7 +2230,7 @@
           <a:p>
             <a:pPr lvl="0"/>
             <a:r>
-              <a:rPr lang="en-US" smtClean="0"/>
+              <a:rPr lang="en-US"/>
               <a:t>Click to edit Master text styles</a:t>
             </a:r>
           </a:p>
@@ -2256,7 +2254,7 @@
             <a:fld id="{1D8BD707-D9CF-40AE-B4C6-C98DA3205C09}" type="datetimeFigureOut">
               <a:rPr lang="en-US" smtClean="0"/>
               <a:pPr/>
-              <a:t>8/1/2011</a:t>
+              <a:t>3/2/2025</a:t>
             </a:fld>
             <a:endParaRPr lang="en-US"/>
           </a:p>
@@ -2299,7 +2297,7 @@
             <a:fld id="{B6F15528-21DE-4FAA-801E-634DDDAF4B2B}" type="slidenum">
               <a:rPr lang="en-US" smtClean="0"/>
               <a:pPr/>
-              <a:t>‹#›</a:t>
+              <a:t>‹Nº›</a:t>
             </a:fld>
             <a:endParaRPr lang="en-US"/>
           </a:p>
@@ -2355,10 +2353,9 @@
           </a:lstStyle>
           <a:p>
             <a:r>
-              <a:rPr lang="en-US" smtClean="0"/>
+              <a:rPr lang="en-US"/>
               <a:t>Click to edit Master title style</a:t>
             </a:r>
-            <a:endParaRPr lang="en-US"/>
           </a:p>
         </p:txBody>
       </p:sp>
@@ -2482,7 +2479,7 @@
           <a:p>
             <a:pPr lvl="0"/>
             <a:r>
-              <a:rPr lang="en-US" smtClean="0"/>
+              <a:rPr lang="en-US"/>
               <a:t>Click to edit Master text styles</a:t>
             </a:r>
           </a:p>
@@ -2506,7 +2503,7 @@
             <a:fld id="{1D8BD707-D9CF-40AE-B4C6-C98DA3205C09}" type="datetimeFigureOut">
               <a:rPr lang="en-US" smtClean="0"/>
               <a:pPr/>
-              <a:t>8/1/2011</a:t>
+              <a:t>3/2/2025</a:t>
             </a:fld>
             <a:endParaRPr lang="en-US"/>
           </a:p>
@@ -2549,7 +2546,7 @@
             <a:fld id="{B6F15528-21DE-4FAA-801E-634DDDAF4B2B}" type="slidenum">
               <a:rPr lang="en-US" smtClean="0"/>
               <a:pPr/>
-              <a:t>‹#›</a:t>
+              <a:t>‹Nº›</a:t>
             </a:fld>
             <a:endParaRPr lang="en-US"/>
           </a:p>
@@ -2611,10 +2608,9 @@
           <a:lstStyle/>
           <a:p>
             <a:r>
-              <a:rPr lang="en-US" smtClean="0"/>
+              <a:rPr lang="en-US"/>
               <a:t>Click to edit Master title style</a:t>
             </a:r>
-            <a:endParaRPr lang="en-US"/>
           </a:p>
         </p:txBody>
       </p:sp>
@@ -2645,38 +2641,37 @@
           <a:p>
             <a:pPr lvl="0"/>
             <a:r>
-              <a:rPr lang="en-US" smtClean="0"/>
+              <a:rPr lang="en-US"/>
               <a:t>Click to edit Master text styles</a:t>
             </a:r>
           </a:p>
           <a:p>
             <a:pPr lvl="1"/>
             <a:r>
-              <a:rPr lang="en-US" smtClean="0"/>
+              <a:rPr lang="en-US"/>
               <a:t>Second level</a:t>
             </a:r>
           </a:p>
           <a:p>
             <a:pPr lvl="2"/>
             <a:r>
-              <a:rPr lang="en-US" smtClean="0"/>
+              <a:rPr lang="en-US"/>
               <a:t>Third level</a:t>
             </a:r>
           </a:p>
           <a:p>
             <a:pPr lvl="3"/>
             <a:r>
-              <a:rPr lang="en-US" smtClean="0"/>
+              <a:rPr lang="en-US"/>
               <a:t>Fourth level</a:t>
             </a:r>
           </a:p>
           <a:p>
             <a:pPr lvl="4"/>
             <a:r>
-              <a:rPr lang="en-US" smtClean="0"/>
+              <a:rPr lang="en-US"/>
               <a:t>Fifth level</a:t>
             </a:r>
-            <a:endParaRPr lang="en-US"/>
           </a:p>
         </p:txBody>
       </p:sp>
@@ -2716,7 +2711,7 @@
             <a:fld id="{1D8BD707-D9CF-40AE-B4C6-C98DA3205C09}" type="datetimeFigureOut">
               <a:rPr lang="en-US" smtClean="0"/>
               <a:pPr/>
-              <a:t>8/1/2011</a:t>
+              <a:t>3/2/2025</a:t>
             </a:fld>
             <a:endParaRPr lang="en-US"/>
           </a:p>
@@ -2795,7 +2790,7 @@
             <a:fld id="{B6F15528-21DE-4FAA-801E-634DDDAF4B2B}" type="slidenum">
               <a:rPr lang="en-US" smtClean="0"/>
               <a:pPr/>
-              <a:t>‹#›</a:t>
+              <a:t>‹Nº›</a:t>
             </a:fld>
             <a:endParaRPr lang="en-US"/>
           </a:p>
@@ -3071,13 +3066,14 @@
 </file>
 
 <file path=ppt/slides/slide1.xml><?xml version="1.0" encoding="utf-8"?>
-<p:sld xmlns:p="http://schemas.openxmlformats.org/presentationml/2006/main" xmlns:a="http://schemas.openxmlformats.org/drawingml/2006/main" xmlns:r="http://schemas.openxmlformats.org/officeDocument/2006/relationships">
+<p:sld xmlns:a="http://schemas.openxmlformats.org/drawingml/2006/main" xmlns:r="http://schemas.openxmlformats.org/officeDocument/2006/relationships" xmlns:p="http://schemas.openxmlformats.org/presentationml/2006/main">
   <p:cSld>
     <p:bg>
       <p:bgPr>
         <a:solidFill>
           <a:srgbClr val="050A30"/>
         </a:solidFill>
+        <a:effectLst/>
       </p:bgPr>
     </p:bg>
     <p:spTree>
@@ -3096,12 +3092,12 @@
       </p:grpSpPr>
       <p:sp>
         <p:nvSpPr>
-          <p:cNvPr name="Freeform 2" id="2"/>
+          <p:cNvPr id="2" name="Freeform 2"/>
           <p:cNvSpPr/>
           <p:nvPr/>
         </p:nvSpPr>
         <p:spPr>
-          <a:xfrm flipH="false" flipV="false" rot="1204637">
+          <a:xfrm rot="1204637">
             <a:off x="-11522876" y="8232052"/>
             <a:ext cx="11359009" cy="4109896"/>
           </a:xfrm>
@@ -3110,9 +3106,9 @@
             <a:gdLst/>
             <a:ahLst/>
             <a:cxnLst/>
-            <a:rect r="r" b="b" t="t" l="l"/>
+            <a:rect l="l" t="t" r="r" b="b"/>
             <a:pathLst>
-              <a:path h="4109896" w="11359009">
+              <a:path w="11359009" h="4109896">
                 <a:moveTo>
                   <a:pt x="0" y="0"/>
                 </a:moveTo>
@@ -3141,19 +3137,26 @@
               </a:extLst>
             </a:blip>
             <a:stretch>
-              <a:fillRect l="0" t="0" r="0" b="0"/>
+              <a:fillRect/>
             </a:stretch>
           </a:blipFill>
         </p:spPr>
-      </p:sp>
-      <p:sp>
-        <p:nvSpPr>
-          <p:cNvPr name="Freeform 3" id="3"/>
+        <p:txBody>
+          <a:bodyPr/>
+          <a:lstStyle/>
+          <a:p>
+            <a:endParaRPr lang="es-AR"/>
+          </a:p>
+        </p:txBody>
+      </p:sp>
+      <p:sp>
+        <p:nvSpPr>
+          <p:cNvPr id="3" name="Freeform 3"/>
           <p:cNvSpPr/>
           <p:nvPr/>
         </p:nvSpPr>
         <p:spPr>
-          <a:xfrm flipH="false" flipV="false" rot="0">
+          <a:xfrm>
             <a:off x="-10851332" y="-3108940"/>
             <a:ext cx="18659536" cy="16963214"/>
           </a:xfrm>
@@ -3162,9 +3165,9 @@
             <a:gdLst/>
             <a:ahLst/>
             <a:cxnLst/>
-            <a:rect r="r" b="b" t="t" l="l"/>
+            <a:rect l="l" t="t" r="r" b="b"/>
             <a:pathLst>
-              <a:path h="16963214" w="18659536">
+              <a:path w="18659536" h="16963214">
                 <a:moveTo>
                   <a:pt x="0" y="0"/>
                 </a:moveTo>
@@ -3193,19 +3196,26 @@
               </a:extLst>
             </a:blip>
             <a:stretch>
-              <a:fillRect l="0" t="0" r="0" b="0"/>
+              <a:fillRect/>
             </a:stretch>
           </a:blipFill>
         </p:spPr>
-      </p:sp>
-      <p:sp>
-        <p:nvSpPr>
-          <p:cNvPr name="TextBox 4" id="4"/>
-          <p:cNvSpPr txBox="true"/>
+        <p:txBody>
+          <a:bodyPr/>
+          <a:lstStyle/>
+          <a:p>
+            <a:endParaRPr lang="es-AR"/>
+          </a:p>
+        </p:txBody>
+      </p:sp>
+      <p:sp>
+        <p:nvSpPr>
+          <p:cNvPr id="4" name="TextBox 4"/>
+          <p:cNvSpPr txBox="1"/>
           <p:nvPr/>
         </p:nvSpPr>
         <p:spPr>
-          <a:xfrm rot="0">
+          <a:xfrm>
             <a:off x="8529884" y="3573768"/>
             <a:ext cx="8729416" cy="1723693"/>
           </a:xfrm>
@@ -3214,7 +3224,7 @@
           </a:prstGeom>
         </p:spPr>
         <p:txBody>
-          <a:bodyPr anchor="t" rtlCol="false" tIns="0" lIns="0" bIns="0" rIns="0">
+          <a:bodyPr lIns="0" tIns="0" rIns="0" bIns="0" rtlCol="0" anchor="t">
             <a:spAutoFit/>
           </a:bodyPr>
           <a:lstStyle/>
@@ -3225,7 +3235,7 @@
               </a:lnSpc>
             </a:pPr>
             <a:r>
-              <a:rPr lang="en-US" b="true" sz="7701">
+              <a:rPr lang="en-US" sz="7701" b="1">
                 <a:solidFill>
                   <a:srgbClr val="CAE8FF"/>
                 </a:solidFill>
@@ -3241,12 +3251,12 @@
       </p:sp>
       <p:sp>
         <p:nvSpPr>
-          <p:cNvPr name="TextBox 5" id="5"/>
-          <p:cNvSpPr txBox="true"/>
+          <p:cNvPr id="5" name="TextBox 5"/>
+          <p:cNvSpPr txBox="1"/>
           <p:nvPr/>
         </p:nvSpPr>
         <p:spPr>
-          <a:xfrm rot="0">
+          <a:xfrm>
             <a:off x="8529884" y="5424703"/>
             <a:ext cx="8729416" cy="514349"/>
           </a:xfrm>
@@ -3255,7 +3265,7 @@
           </a:prstGeom>
         </p:spPr>
         <p:txBody>
-          <a:bodyPr anchor="t" rtlCol="false" tIns="0" lIns="0" bIns="0" rIns="0">
+          <a:bodyPr lIns="0" tIns="0" rIns="0" bIns="0" rtlCol="0" anchor="t">
             <a:spAutoFit/>
           </a:bodyPr>
           <a:lstStyle/>
@@ -3266,7 +3276,7 @@
               </a:lnSpc>
             </a:pPr>
             <a:r>
-              <a:rPr lang="en-US" b="true" sz="3000" spc="240">
+              <a:rPr lang="en-US" sz="3000" b="1" spc="240">
                 <a:solidFill>
                   <a:srgbClr val="F4F6FC"/>
                 </a:solidFill>
@@ -3289,13 +3299,14 @@
 </file>
 
 <file path=ppt/slides/slide10.xml><?xml version="1.0" encoding="utf-8"?>
-<p:sld xmlns:p="http://schemas.openxmlformats.org/presentationml/2006/main" xmlns:a="http://schemas.openxmlformats.org/drawingml/2006/main" xmlns:r="http://schemas.openxmlformats.org/officeDocument/2006/relationships">
+<p:sld xmlns:a="http://schemas.openxmlformats.org/drawingml/2006/main" xmlns:r="http://schemas.openxmlformats.org/officeDocument/2006/relationships" xmlns:p="http://schemas.openxmlformats.org/presentationml/2006/main">
   <p:cSld>
     <p:bg>
       <p:bgPr>
         <a:solidFill>
           <a:srgbClr val="050A30"/>
         </a:solidFill>
+        <a:effectLst/>
       </p:bgPr>
     </p:bg>
     <p:spTree>
@@ -3314,12 +3325,12 @@
       </p:grpSpPr>
       <p:sp>
         <p:nvSpPr>
-          <p:cNvPr name="TextBox 2" id="2"/>
-          <p:cNvSpPr txBox="true"/>
+          <p:cNvPr id="2" name="TextBox 2"/>
+          <p:cNvSpPr txBox="1"/>
           <p:nvPr/>
         </p:nvSpPr>
         <p:spPr>
-          <a:xfrm rot="0">
+          <a:xfrm>
             <a:off x="5075312" y="904875"/>
             <a:ext cx="8583691" cy="1094740"/>
           </a:xfrm>
@@ -3328,7 +3339,7 @@
           </a:prstGeom>
         </p:spPr>
         <p:txBody>
-          <a:bodyPr anchor="t" rtlCol="false" tIns="0" lIns="0" bIns="0" rIns="0">
+          <a:bodyPr lIns="0" tIns="0" rIns="0" bIns="0" rtlCol="0" anchor="t">
             <a:spAutoFit/>
           </a:bodyPr>
           <a:lstStyle/>
@@ -3339,7 +3350,7 @@
               </a:lnSpc>
             </a:pPr>
             <a:r>
-              <a:rPr lang="en-US" b="true" sz="6399">
+              <a:rPr lang="en-US" sz="6399" b="1">
                 <a:solidFill>
                   <a:srgbClr val="CAE8FF"/>
                 </a:solidFill>
@@ -3355,12 +3366,12 @@
       </p:sp>
       <p:sp>
         <p:nvSpPr>
-          <p:cNvPr name="TextBox 3" id="3"/>
-          <p:cNvSpPr txBox="true"/>
+          <p:cNvPr id="3" name="TextBox 3"/>
+          <p:cNvSpPr txBox="1"/>
           <p:nvPr/>
         </p:nvSpPr>
         <p:spPr>
-          <a:xfrm rot="0">
+          <a:xfrm>
             <a:off x="1181100" y="3396615"/>
             <a:ext cx="16230600" cy="2585085"/>
           </a:xfrm>
@@ -3369,19 +3380,19 @@
           </a:prstGeom>
         </p:spPr>
         <p:txBody>
-          <a:bodyPr anchor="t" rtlCol="false" tIns="0" lIns="0" bIns="0" rIns="0">
+          <a:bodyPr lIns="0" tIns="0" rIns="0" bIns="0" rtlCol="0" anchor="t">
             <a:spAutoFit/>
           </a:bodyPr>
           <a:lstStyle/>
           <a:p>
-            <a:pPr algn="just" marL="453390" indent="-226695" lvl="1">
+            <a:pPr marL="453390" lvl="1" indent="-226695" algn="just">
               <a:lnSpc>
                 <a:spcPts val="2940"/>
               </a:lnSpc>
-              <a:buAutoNum type="arabicPeriod" startAt="1"/>
+              <a:buAutoNum type="arabicPeriod"/>
             </a:pPr>
             <a:r>
-              <a:rPr lang="en-US" b="true" sz="2100">
+              <a:rPr lang="en-US" sz="2100" b="1">
                 <a:solidFill>
                   <a:srgbClr val="F4F6FC"/>
                 </a:solidFill>
@@ -3394,14 +3405,14 @@
             </a:r>
           </a:p>
           <a:p>
-            <a:pPr algn="just" marL="453390" indent="-226695" lvl="1">
+            <a:pPr marL="453390" lvl="1" indent="-226695" algn="just">
               <a:lnSpc>
                 <a:spcPts val="2940"/>
               </a:lnSpc>
-              <a:buAutoNum type="arabicPeriod" startAt="1"/>
+              <a:buAutoNum type="arabicPeriod"/>
             </a:pPr>
             <a:r>
-              <a:rPr lang="en-US" b="true" sz="2100">
+              <a:rPr lang="en-US" sz="2100" b="1">
                 <a:solidFill>
                   <a:srgbClr val="F4F6FC"/>
                 </a:solidFill>
@@ -3414,14 +3425,14 @@
             </a:r>
           </a:p>
           <a:p>
-            <a:pPr algn="just" marL="453390" indent="-226695" lvl="1">
+            <a:pPr marL="453390" lvl="1" indent="-226695" algn="just">
               <a:lnSpc>
                 <a:spcPts val="2940"/>
               </a:lnSpc>
-              <a:buAutoNum type="arabicPeriod" startAt="1"/>
+              <a:buAutoNum type="arabicPeriod"/>
             </a:pPr>
             <a:r>
-              <a:rPr lang="en-US" b="true" sz="2100">
+              <a:rPr lang="en-US" sz="2100" b="1">
                 <a:solidFill>
                   <a:srgbClr val="F4F6FC"/>
                 </a:solidFill>
@@ -3434,14 +3445,14 @@
             </a:r>
           </a:p>
           <a:p>
-            <a:pPr algn="just" marL="453390" indent="-226695" lvl="1">
+            <a:pPr marL="453390" lvl="1" indent="-226695" algn="just">
               <a:lnSpc>
                 <a:spcPts val="2940"/>
               </a:lnSpc>
-              <a:buAutoNum type="arabicPeriod" startAt="1"/>
+              <a:buAutoNum type="arabicPeriod"/>
             </a:pPr>
             <a:r>
-              <a:rPr lang="en-US" b="true" sz="2100">
+              <a:rPr lang="en-US" sz="2100" b="1">
                 <a:solidFill>
                   <a:srgbClr val="F4F6FC"/>
                 </a:solidFill>
@@ -3459,17 +3470,26 @@
                 <a:spcPts val="2940"/>
               </a:lnSpc>
             </a:pPr>
-          </a:p>
-        </p:txBody>
-      </p:sp>
-      <p:sp>
-        <p:nvSpPr>
-          <p:cNvPr name="Freeform 4" id="4"/>
+            <a:endParaRPr lang="en-US" sz="2100" b="1">
+              <a:solidFill>
+                <a:srgbClr val="F4F6FC"/>
+              </a:solidFill>
+              <a:latin typeface="Open Sans Medium"/>
+              <a:ea typeface="Open Sans Medium"/>
+              <a:cs typeface="Open Sans Medium"/>
+              <a:sym typeface="Open Sans Medium"/>
+            </a:endParaRPr>
+          </a:p>
+        </p:txBody>
+      </p:sp>
+      <p:sp>
+        <p:nvSpPr>
+          <p:cNvPr id="4" name="Freeform 4"/>
           <p:cNvSpPr/>
           <p:nvPr/>
         </p:nvSpPr>
         <p:spPr>
-          <a:xfrm flipH="false" flipV="false" rot="2700000">
+          <a:xfrm rot="2700000">
             <a:off x="-876482" y="7128420"/>
             <a:ext cx="5376539" cy="3978639"/>
           </a:xfrm>
@@ -3478,9 +3498,9 @@
             <a:gdLst/>
             <a:ahLst/>
             <a:cxnLst/>
-            <a:rect r="r" b="b" t="t" l="l"/>
+            <a:rect l="l" t="t" r="r" b="b"/>
             <a:pathLst>
-              <a:path h="3978639" w="5376539">
+              <a:path w="5376539" h="3978639">
                 <a:moveTo>
                   <a:pt x="0" y="0"/>
                 </a:moveTo>
@@ -3509,19 +3529,26 @@
               </a:extLst>
             </a:blip>
             <a:stretch>
-              <a:fillRect l="0" t="0" r="0" b="0"/>
+              <a:fillRect/>
             </a:stretch>
           </a:blipFill>
         </p:spPr>
-      </p:sp>
-      <p:sp>
-        <p:nvSpPr>
-          <p:cNvPr name="Freeform 5" id="5"/>
+        <p:txBody>
+          <a:bodyPr/>
+          <a:lstStyle/>
+          <a:p>
+            <a:endParaRPr lang="es-AR"/>
+          </a:p>
+        </p:txBody>
+      </p:sp>
+      <p:sp>
+        <p:nvSpPr>
+          <p:cNvPr id="5" name="Freeform 5"/>
           <p:cNvSpPr/>
           <p:nvPr/>
         </p:nvSpPr>
         <p:spPr>
-          <a:xfrm flipH="false" flipV="false" rot="-8100000">
+          <a:xfrm rot="-8100000">
             <a:off x="14509522" y="-246461"/>
             <a:ext cx="5376539" cy="3978639"/>
           </a:xfrm>
@@ -3530,9 +3557,9 @@
             <a:gdLst/>
             <a:ahLst/>
             <a:cxnLst/>
-            <a:rect r="r" b="b" t="t" l="l"/>
+            <a:rect l="l" t="t" r="r" b="b"/>
             <a:pathLst>
-              <a:path h="3978639" w="5376539">
+              <a:path w="5376539" h="3978639">
                 <a:moveTo>
                   <a:pt x="0" y="0"/>
                 </a:moveTo>
@@ -3561,19 +3588,26 @@
               </a:extLst>
             </a:blip>
             <a:stretch>
-              <a:fillRect l="0" t="0" r="0" b="0"/>
+              <a:fillRect/>
             </a:stretch>
           </a:blipFill>
         </p:spPr>
-      </p:sp>
-      <p:sp>
-        <p:nvSpPr>
-          <p:cNvPr name="TextBox 6" id="6"/>
-          <p:cNvSpPr txBox="true"/>
+        <p:txBody>
+          <a:bodyPr/>
+          <a:lstStyle/>
+          <a:p>
+            <a:endParaRPr lang="es-AR"/>
+          </a:p>
+        </p:txBody>
+      </p:sp>
+      <p:sp>
+        <p:nvSpPr>
+          <p:cNvPr id="6" name="TextBox 6"/>
+          <p:cNvSpPr txBox="1"/>
           <p:nvPr/>
         </p:nvSpPr>
         <p:spPr>
-          <a:xfrm rot="0">
+          <a:xfrm>
             <a:off x="1251858" y="6479323"/>
             <a:ext cx="16230600" cy="356235"/>
           </a:xfrm>
@@ -3582,7 +3616,7 @@
           </a:prstGeom>
         </p:spPr>
         <p:txBody>
-          <a:bodyPr anchor="t" rtlCol="false" tIns="0" lIns="0" bIns="0" rIns="0">
+          <a:bodyPr lIns="0" tIns="0" rIns="0" bIns="0" rtlCol="0" anchor="t">
             <a:spAutoFit/>
           </a:bodyPr>
           <a:lstStyle/>
@@ -3593,7 +3627,7 @@
               </a:lnSpc>
             </a:pPr>
             <a:r>
-              <a:rPr lang="en-US" b="true" sz="2100">
+              <a:rPr lang="en-US" sz="2100" b="1">
                 <a:solidFill>
                   <a:srgbClr val="F4F6FC"/>
                 </a:solidFill>
@@ -3602,10 +3636,10 @@
                 <a:cs typeface="Open Sans Medium"/>
                 <a:sym typeface="Open Sans Medium"/>
               </a:rPr>
-              <a:t>GOOGLE COLLAB: </a:t>
-            </a:r>
-            <a:r>
-              <a:rPr lang="en-US" b="true" sz="2100" u="sng">
+              <a:t>GOOGLE COLAB: </a:t>
+            </a:r>
+            <a:r>
+              <a:rPr lang="en-US" sz="2100" b="1" u="sng">
                 <a:solidFill>
                   <a:srgbClr val="F4F6FC"/>
                 </a:solidFill>
@@ -3629,13 +3663,14 @@
 </file>
 
 <file path=ppt/slides/slide11.xml><?xml version="1.0" encoding="utf-8"?>
-<p:sld xmlns:p="http://schemas.openxmlformats.org/presentationml/2006/main" xmlns:a="http://schemas.openxmlformats.org/drawingml/2006/main" xmlns:r="http://schemas.openxmlformats.org/officeDocument/2006/relationships">
+<p:sld xmlns:a="http://schemas.openxmlformats.org/drawingml/2006/main" xmlns:r="http://schemas.openxmlformats.org/officeDocument/2006/relationships" xmlns:p="http://schemas.openxmlformats.org/presentationml/2006/main">
   <p:cSld>
     <p:bg>
       <p:bgPr>
         <a:solidFill>
           <a:srgbClr val="050A30"/>
         </a:solidFill>
+        <a:effectLst/>
       </p:bgPr>
     </p:bg>
     <p:spTree>
@@ -3654,12 +3689,12 @@
       </p:grpSpPr>
       <p:sp>
         <p:nvSpPr>
-          <p:cNvPr name="TextBox 2" id="2"/>
-          <p:cNvSpPr txBox="true"/>
+          <p:cNvPr id="2" name="TextBox 2"/>
+          <p:cNvSpPr txBox="1"/>
           <p:nvPr/>
         </p:nvSpPr>
         <p:spPr>
-          <a:xfrm rot="0">
+          <a:xfrm>
             <a:off x="1028700" y="4650138"/>
             <a:ext cx="16230600" cy="1405741"/>
           </a:xfrm>
@@ -3668,7 +3703,7 @@
           </a:prstGeom>
         </p:spPr>
         <p:txBody>
-          <a:bodyPr anchor="t" rtlCol="false" tIns="0" lIns="0" bIns="0" rIns="0">
+          <a:bodyPr lIns="0" tIns="0" rIns="0" bIns="0" rtlCol="0" anchor="t">
             <a:spAutoFit/>
           </a:bodyPr>
           <a:lstStyle/>
@@ -3679,7 +3714,7 @@
               </a:lnSpc>
             </a:pPr>
             <a:r>
-              <a:rPr lang="en-US" b="true" sz="12000">
+              <a:rPr lang="en-US" sz="12000" b="1">
                 <a:solidFill>
                   <a:srgbClr val="CAE8FF"/>
                 </a:solidFill>
@@ -3695,12 +3730,12 @@
       </p:sp>
       <p:sp>
         <p:nvSpPr>
-          <p:cNvPr name="Freeform 3" id="3"/>
+          <p:cNvPr id="3" name="Freeform 3"/>
           <p:cNvSpPr/>
           <p:nvPr/>
         </p:nvSpPr>
         <p:spPr>
-          <a:xfrm flipH="false" flipV="false" rot="0">
+          <a:xfrm>
             <a:off x="12722671" y="-2258858"/>
             <a:ext cx="18659536" cy="16963214"/>
           </a:xfrm>
@@ -3709,9 +3744,9 @@
             <a:gdLst/>
             <a:ahLst/>
             <a:cxnLst/>
-            <a:rect r="r" b="b" t="t" l="l"/>
+            <a:rect l="l" t="t" r="r" b="b"/>
             <a:pathLst>
-              <a:path h="16963214" w="18659536">
+              <a:path w="18659536" h="16963214">
                 <a:moveTo>
                   <a:pt x="0" y="0"/>
                 </a:moveTo>
@@ -3740,19 +3775,26 @@
               </a:extLst>
             </a:blip>
             <a:stretch>
-              <a:fillRect l="0" t="0" r="0" b="0"/>
+              <a:fillRect/>
             </a:stretch>
           </a:blipFill>
         </p:spPr>
-      </p:sp>
-      <p:sp>
-        <p:nvSpPr>
-          <p:cNvPr name="Freeform 4" id="4"/>
+        <p:txBody>
+          <a:bodyPr/>
+          <a:lstStyle/>
+          <a:p>
+            <a:endParaRPr lang="es-AR"/>
+          </a:p>
+        </p:txBody>
+      </p:sp>
+      <p:sp>
+        <p:nvSpPr>
+          <p:cNvPr id="4" name="Freeform 4"/>
           <p:cNvSpPr/>
           <p:nvPr/>
         </p:nvSpPr>
         <p:spPr>
-          <a:xfrm flipH="false" flipV="false" rot="0">
+          <a:xfrm>
             <a:off x="-13094207" y="-2258858"/>
             <a:ext cx="18659536" cy="16963214"/>
           </a:xfrm>
@@ -3761,9 +3803,9 @@
             <a:gdLst/>
             <a:ahLst/>
             <a:cxnLst/>
-            <a:rect r="r" b="b" t="t" l="l"/>
+            <a:rect l="l" t="t" r="r" b="b"/>
             <a:pathLst>
-              <a:path h="16963214" w="18659536">
+              <a:path w="18659536" h="16963214">
                 <a:moveTo>
                   <a:pt x="0" y="0"/>
                 </a:moveTo>
@@ -3792,10 +3834,17 @@
               </a:extLst>
             </a:blip>
             <a:stretch>
-              <a:fillRect l="0" t="0" r="0" b="0"/>
+              <a:fillRect/>
             </a:stretch>
           </a:blipFill>
         </p:spPr>
+        <p:txBody>
+          <a:bodyPr/>
+          <a:lstStyle/>
+          <a:p>
+            <a:endParaRPr lang="es-AR"/>
+          </a:p>
+        </p:txBody>
       </p:sp>
     </p:spTree>
   </p:cSld>
@@ -3806,13 +3855,14 @@
 </file>
 
 <file path=ppt/slides/slide2.xml><?xml version="1.0" encoding="utf-8"?>
-<p:sld xmlns:p="http://schemas.openxmlformats.org/presentationml/2006/main" xmlns:a="http://schemas.openxmlformats.org/drawingml/2006/main" xmlns:r="http://schemas.openxmlformats.org/officeDocument/2006/relationships">
+<p:sld xmlns:a="http://schemas.openxmlformats.org/drawingml/2006/main" xmlns:r="http://schemas.openxmlformats.org/officeDocument/2006/relationships" xmlns:p="http://schemas.openxmlformats.org/presentationml/2006/main">
   <p:cSld>
     <p:bg>
       <p:bgPr>
         <a:solidFill>
           <a:srgbClr val="050A30"/>
         </a:solidFill>
+        <a:effectLst/>
       </p:bgPr>
     </p:bg>
     <p:spTree>
@@ -3831,12 +3881,12 @@
       </p:grpSpPr>
       <p:sp>
         <p:nvSpPr>
-          <p:cNvPr name="Freeform 2" id="2"/>
+          <p:cNvPr id="2" name="Freeform 2"/>
           <p:cNvSpPr/>
           <p:nvPr/>
         </p:nvSpPr>
         <p:spPr>
-          <a:xfrm flipH="false" flipV="false" rot="-8100000">
+          <a:xfrm rot="-8100000">
             <a:off x="14661922" y="-94061"/>
             <a:ext cx="5376539" cy="3978639"/>
           </a:xfrm>
@@ -3845,9 +3895,9 @@
             <a:gdLst/>
             <a:ahLst/>
             <a:cxnLst/>
-            <a:rect r="r" b="b" t="t" l="l"/>
+            <a:rect l="l" t="t" r="r" b="b"/>
             <a:pathLst>
-              <a:path h="3978639" w="5376539">
+              <a:path w="5376539" h="3978639">
                 <a:moveTo>
                   <a:pt x="0" y="0"/>
                 </a:moveTo>
@@ -3876,19 +3926,26 @@
               </a:extLst>
             </a:blip>
             <a:stretch>
-              <a:fillRect l="0" t="0" r="0" b="0"/>
+              <a:fillRect/>
             </a:stretch>
           </a:blipFill>
         </p:spPr>
-      </p:sp>
-      <p:sp>
-        <p:nvSpPr>
-          <p:cNvPr name="Freeform 3" id="3"/>
+        <p:txBody>
+          <a:bodyPr/>
+          <a:lstStyle/>
+          <a:p>
+            <a:endParaRPr lang="es-AR"/>
+          </a:p>
+        </p:txBody>
+      </p:sp>
+      <p:sp>
+        <p:nvSpPr>
+          <p:cNvPr id="3" name="Freeform 3"/>
           <p:cNvSpPr/>
           <p:nvPr/>
         </p:nvSpPr>
         <p:spPr>
-          <a:xfrm flipH="false" flipV="false" rot="0">
+          <a:xfrm>
             <a:off x="-10698932" y="-2956540"/>
             <a:ext cx="18659536" cy="16963214"/>
           </a:xfrm>
@@ -3897,9 +3954,9 @@
             <a:gdLst/>
             <a:ahLst/>
             <a:cxnLst/>
-            <a:rect r="r" b="b" t="t" l="l"/>
+            <a:rect l="l" t="t" r="r" b="b"/>
             <a:pathLst>
-              <a:path h="16963214" w="18659536">
+              <a:path w="18659536" h="16963214">
                 <a:moveTo>
                   <a:pt x="0" y="0"/>
                 </a:moveTo>
@@ -3928,19 +3985,26 @@
               </a:extLst>
             </a:blip>
             <a:stretch>
-              <a:fillRect l="0" t="0" r="0" b="0"/>
+              <a:fillRect/>
             </a:stretch>
           </a:blipFill>
         </p:spPr>
-      </p:sp>
-      <p:sp>
-        <p:nvSpPr>
-          <p:cNvPr name="TextBox 4" id="4"/>
-          <p:cNvSpPr txBox="true"/>
+        <p:txBody>
+          <a:bodyPr/>
+          <a:lstStyle/>
+          <a:p>
+            <a:endParaRPr lang="es-AR"/>
+          </a:p>
+        </p:txBody>
+      </p:sp>
+      <p:sp>
+        <p:nvSpPr>
+          <p:cNvPr id="4" name="TextBox 4"/>
+          <p:cNvSpPr txBox="1"/>
           <p:nvPr/>
         </p:nvSpPr>
         <p:spPr>
-          <a:xfrm rot="0">
+          <a:xfrm>
             <a:off x="4593588" y="3400742"/>
             <a:ext cx="9100825" cy="3361690"/>
           </a:xfrm>
@@ -3949,7 +4013,7 @@
           </a:prstGeom>
         </p:spPr>
         <p:txBody>
-          <a:bodyPr anchor="t" rtlCol="false" tIns="0" lIns="0" bIns="0" rIns="0">
+          <a:bodyPr lIns="0" tIns="0" rIns="0" bIns="0" rtlCol="0" anchor="t">
             <a:spAutoFit/>
           </a:bodyPr>
           <a:lstStyle/>
@@ -3960,7 +4024,7 @@
               </a:lnSpc>
             </a:pPr>
             <a:r>
-              <a:rPr lang="en-US" b="true" sz="6399">
+              <a:rPr lang="en-US" sz="6399" b="1">
                 <a:solidFill>
                   <a:srgbClr val="F4F6FC"/>
                 </a:solidFill>
@@ -3969,31 +4033,7 @@
                 <a:cs typeface="Open Sans Medium"/>
                 <a:sym typeface="Open Sans Medium"/>
               </a:rPr>
-              <a:t>P</a:t>
-            </a:r>
-            <a:r>
-              <a:rPr lang="en-US" b="true" sz="6399">
-                <a:solidFill>
-                  <a:srgbClr val="F4F6FC"/>
-                </a:solidFill>
-                <a:latin typeface="Open Sans Medium"/>
-                <a:ea typeface="Open Sans Medium"/>
-                <a:cs typeface="Open Sans Medium"/>
-                <a:sym typeface="Open Sans Medium"/>
-              </a:rPr>
-              <a:t>revención de Phishing y Contraseñas Débiles con</a:t>
-            </a:r>
-            <a:r>
-              <a:rPr lang="en-US" b="true" sz="6399">
-                <a:solidFill>
-                  <a:srgbClr val="F4F6FC"/>
-                </a:solidFill>
-                <a:latin typeface="Open Sans Medium"/>
-                <a:ea typeface="Open Sans Medium"/>
-                <a:cs typeface="Open Sans Medium"/>
-                <a:sym typeface="Open Sans Medium"/>
-              </a:rPr>
-              <a:t> IA</a:t>
+              <a:t>Prevención de Phishing y Contraseñas Débiles con IA</a:t>
             </a:r>
           </a:p>
         </p:txBody>
@@ -4007,13 +4047,14 @@
 </file>
 
 <file path=ppt/slides/slide3.xml><?xml version="1.0" encoding="utf-8"?>
-<p:sld xmlns:p="http://schemas.openxmlformats.org/presentationml/2006/main" xmlns:a="http://schemas.openxmlformats.org/drawingml/2006/main" xmlns:r="http://schemas.openxmlformats.org/officeDocument/2006/relationships">
+<p:sld xmlns:a="http://schemas.openxmlformats.org/drawingml/2006/main" xmlns:r="http://schemas.openxmlformats.org/officeDocument/2006/relationships" xmlns:p="http://schemas.openxmlformats.org/presentationml/2006/main">
   <p:cSld>
     <p:bg>
       <p:bgPr>
         <a:solidFill>
           <a:srgbClr val="050A30"/>
         </a:solidFill>
+        <a:effectLst/>
       </p:bgPr>
     </p:bg>
     <p:spTree>
@@ -4032,12 +4073,12 @@
       </p:grpSpPr>
       <p:sp>
         <p:nvSpPr>
-          <p:cNvPr name="Freeform 2" id="2"/>
+          <p:cNvPr id="2" name="Freeform 2"/>
           <p:cNvSpPr/>
           <p:nvPr/>
         </p:nvSpPr>
         <p:spPr>
-          <a:xfrm flipH="false" flipV="false" rot="0">
+          <a:xfrm>
             <a:off x="-173677" y="-296240"/>
             <a:ext cx="3442247" cy="4114800"/>
           </a:xfrm>
@@ -4046,9 +4087,9 @@
             <a:gdLst/>
             <a:ahLst/>
             <a:cxnLst/>
-            <a:rect r="r" b="b" t="t" l="l"/>
+            <a:rect l="l" t="t" r="r" b="b"/>
             <a:pathLst>
-              <a:path h="4114800" w="3442247">
+              <a:path w="3442247" h="4114800">
                 <a:moveTo>
                   <a:pt x="0" y="0"/>
                 </a:moveTo>
@@ -4077,19 +4118,26 @@
               </a:extLst>
             </a:blip>
             <a:stretch>
-              <a:fillRect l="0" t="0" r="0" b="0"/>
+              <a:fillRect/>
             </a:stretch>
           </a:blipFill>
         </p:spPr>
-      </p:sp>
-      <p:sp>
-        <p:nvSpPr>
-          <p:cNvPr name="TextBox 3" id="3"/>
-          <p:cNvSpPr txBox="true"/>
+        <p:txBody>
+          <a:bodyPr/>
+          <a:lstStyle/>
+          <a:p>
+            <a:endParaRPr lang="es-AR"/>
+          </a:p>
+        </p:txBody>
+      </p:sp>
+      <p:sp>
+        <p:nvSpPr>
+          <p:cNvPr id="3" name="TextBox 3"/>
+          <p:cNvSpPr txBox="1"/>
           <p:nvPr/>
         </p:nvSpPr>
         <p:spPr>
-          <a:xfrm rot="0">
+          <a:xfrm>
             <a:off x="8296880" y="1957494"/>
             <a:ext cx="8962420" cy="2228215"/>
           </a:xfrm>
@@ -4098,7 +4146,7 @@
           </a:prstGeom>
         </p:spPr>
         <p:txBody>
-          <a:bodyPr anchor="t" rtlCol="false" tIns="0" lIns="0" bIns="0" rIns="0">
+          <a:bodyPr lIns="0" tIns="0" rIns="0" bIns="0" rtlCol="0" anchor="t">
             <a:spAutoFit/>
           </a:bodyPr>
           <a:lstStyle/>
@@ -4109,7 +4157,7 @@
               </a:lnSpc>
             </a:pPr>
             <a:r>
-              <a:rPr lang="en-US" b="true" sz="6399">
+              <a:rPr lang="en-US" sz="6399" b="1">
                 <a:solidFill>
                   <a:srgbClr val="CAE8FF"/>
                 </a:solidFill>
@@ -4125,12 +4173,12 @@
       </p:sp>
       <p:sp>
         <p:nvSpPr>
-          <p:cNvPr name="TextBox 4" id="4"/>
-          <p:cNvSpPr txBox="true"/>
+          <p:cNvPr id="4" name="TextBox 4"/>
+          <p:cNvSpPr txBox="1"/>
           <p:nvPr/>
         </p:nvSpPr>
         <p:spPr>
-          <a:xfrm rot="0">
+          <a:xfrm>
             <a:off x="8296880" y="4228160"/>
             <a:ext cx="8962420" cy="4442459"/>
           </a:xfrm>
@@ -4139,7 +4187,7 @@
           </a:prstGeom>
         </p:spPr>
         <p:txBody>
-          <a:bodyPr anchor="t" rtlCol="false" tIns="0" lIns="0" bIns="0" rIns="0">
+          <a:bodyPr lIns="0" tIns="0" rIns="0" bIns="0" rtlCol="0" anchor="t">
             <a:spAutoFit/>
           </a:bodyPr>
           <a:lstStyle/>
@@ -4150,7 +4198,7 @@
               </a:lnSpc>
             </a:pPr>
             <a:r>
-              <a:rPr lang="en-US" sz="2100" b="true">
+              <a:rPr lang="en-US" sz="2100" b="1">
                 <a:solidFill>
                   <a:srgbClr val="F4F6FC"/>
                 </a:solidFill>
@@ -4168,17 +4216,26 @@
                 <a:spcPts val="2940"/>
               </a:lnSpc>
             </a:pPr>
-          </a:p>
-        </p:txBody>
-      </p:sp>
-      <p:sp>
-        <p:nvSpPr>
-          <p:cNvPr name="Freeform 5" id="5"/>
+            <a:endParaRPr lang="en-US" sz="2100" b="1">
+              <a:solidFill>
+                <a:srgbClr val="F4F6FC"/>
+              </a:solidFill>
+              <a:latin typeface="Open Sans Medium"/>
+              <a:ea typeface="Open Sans Medium"/>
+              <a:cs typeface="Open Sans Medium"/>
+              <a:sym typeface="Open Sans Medium"/>
+            </a:endParaRPr>
+          </a:p>
+        </p:txBody>
+      </p:sp>
+      <p:sp>
+        <p:nvSpPr>
+          <p:cNvPr id="5" name="Freeform 5"/>
           <p:cNvSpPr/>
           <p:nvPr/>
         </p:nvSpPr>
         <p:spPr>
-          <a:xfrm flipH="false" flipV="false" rot="0">
+          <a:xfrm>
             <a:off x="3684462" y="1761160"/>
             <a:ext cx="3442247" cy="4114800"/>
           </a:xfrm>
@@ -4187,9 +4244,9 @@
             <a:gdLst/>
             <a:ahLst/>
             <a:cxnLst/>
-            <a:rect r="r" b="b" t="t" l="l"/>
+            <a:rect l="l" t="t" r="r" b="b"/>
             <a:pathLst>
-              <a:path h="4114800" w="3442247">
+              <a:path w="3442247" h="4114800">
                 <a:moveTo>
                   <a:pt x="0" y="0"/>
                 </a:moveTo>
@@ -4218,19 +4275,26 @@
               </a:extLst>
             </a:blip>
             <a:stretch>
-              <a:fillRect l="0" t="0" r="0" b="0"/>
+              <a:fillRect/>
             </a:stretch>
           </a:blipFill>
         </p:spPr>
-      </p:sp>
-      <p:sp>
-        <p:nvSpPr>
-          <p:cNvPr name="Freeform 6" id="6"/>
+        <p:txBody>
+          <a:bodyPr/>
+          <a:lstStyle/>
+          <a:p>
+            <a:endParaRPr lang="es-AR"/>
+          </a:p>
+        </p:txBody>
+      </p:sp>
+      <p:sp>
+        <p:nvSpPr>
+          <p:cNvPr id="6" name="Freeform 6"/>
           <p:cNvSpPr/>
           <p:nvPr/>
         </p:nvSpPr>
         <p:spPr>
-          <a:xfrm flipH="false" flipV="false" rot="0">
+          <a:xfrm>
             <a:off x="34269" y="4411040"/>
             <a:ext cx="3442247" cy="4114800"/>
           </a:xfrm>
@@ -4239,9 +4303,9 @@
             <a:gdLst/>
             <a:ahLst/>
             <a:cxnLst/>
-            <a:rect r="r" b="b" t="t" l="l"/>
+            <a:rect l="l" t="t" r="r" b="b"/>
             <a:pathLst>
-              <a:path h="4114800" w="3442247">
+              <a:path w="3442247" h="4114800">
                 <a:moveTo>
                   <a:pt x="0" y="0"/>
                 </a:moveTo>
@@ -4270,19 +4334,26 @@
               </a:extLst>
             </a:blip>
             <a:stretch>
-              <a:fillRect l="0" t="0" r="0" b="0"/>
+              <a:fillRect/>
             </a:stretch>
           </a:blipFill>
         </p:spPr>
-      </p:sp>
-      <p:sp>
-        <p:nvSpPr>
-          <p:cNvPr name="Freeform 7" id="7"/>
+        <p:txBody>
+          <a:bodyPr/>
+          <a:lstStyle/>
+          <a:p>
+            <a:endParaRPr lang="es-AR"/>
+          </a:p>
+        </p:txBody>
+      </p:sp>
+      <p:sp>
+        <p:nvSpPr>
+          <p:cNvPr id="7" name="Freeform 7"/>
           <p:cNvSpPr/>
           <p:nvPr/>
         </p:nvSpPr>
         <p:spPr>
-          <a:xfrm flipH="false" flipV="false" rot="0">
+          <a:xfrm>
             <a:off x="3892408" y="6468440"/>
             <a:ext cx="3442247" cy="4114800"/>
           </a:xfrm>
@@ -4291,9 +4362,9 @@
             <a:gdLst/>
             <a:ahLst/>
             <a:cxnLst/>
-            <a:rect r="r" b="b" t="t" l="l"/>
+            <a:rect l="l" t="t" r="r" b="b"/>
             <a:pathLst>
-              <a:path h="4114800" w="3442247">
+              <a:path w="3442247" h="4114800">
                 <a:moveTo>
                   <a:pt x="0" y="0"/>
                 </a:moveTo>
@@ -4322,10 +4393,17 @@
               </a:extLst>
             </a:blip>
             <a:stretch>
-              <a:fillRect l="0" t="0" r="0" b="0"/>
+              <a:fillRect/>
             </a:stretch>
           </a:blipFill>
         </p:spPr>
+        <p:txBody>
+          <a:bodyPr/>
+          <a:lstStyle/>
+          <a:p>
+            <a:endParaRPr lang="es-AR"/>
+          </a:p>
+        </p:txBody>
       </p:sp>
     </p:spTree>
   </p:cSld>
@@ -4336,13 +4414,14 @@
 </file>
 
 <file path=ppt/slides/slide4.xml><?xml version="1.0" encoding="utf-8"?>
-<p:sld xmlns:p="http://schemas.openxmlformats.org/presentationml/2006/main" xmlns:a="http://schemas.openxmlformats.org/drawingml/2006/main">
+<p:sld xmlns:a="http://schemas.openxmlformats.org/drawingml/2006/main" xmlns:r="http://schemas.openxmlformats.org/officeDocument/2006/relationships" xmlns:p="http://schemas.openxmlformats.org/presentationml/2006/main">
   <p:cSld>
     <p:bg>
       <p:bgPr>
         <a:solidFill>
           <a:srgbClr val="050A30"/>
         </a:solidFill>
+        <a:effectLst/>
       </p:bgPr>
     </p:bg>
     <p:spTree>
@@ -4361,12 +4440,12 @@
       </p:grpSpPr>
       <p:sp>
         <p:nvSpPr>
-          <p:cNvPr name="TextBox 2" id="2"/>
-          <p:cNvSpPr txBox="true"/>
+          <p:cNvPr id="2" name="TextBox 2"/>
+          <p:cNvSpPr txBox="1"/>
           <p:nvPr/>
         </p:nvSpPr>
         <p:spPr>
-          <a:xfrm rot="0">
+          <a:xfrm>
             <a:off x="1028700" y="1691091"/>
             <a:ext cx="16230600" cy="2228215"/>
           </a:xfrm>
@@ -4375,7 +4454,7 @@
           </a:prstGeom>
         </p:spPr>
         <p:txBody>
-          <a:bodyPr anchor="t" rtlCol="false" tIns="0" lIns="0" bIns="0" rIns="0">
+          <a:bodyPr lIns="0" tIns="0" rIns="0" bIns="0" rtlCol="0" anchor="t">
             <a:spAutoFit/>
           </a:bodyPr>
           <a:lstStyle/>
@@ -4386,7 +4465,7 @@
               </a:lnSpc>
             </a:pPr>
             <a:r>
-              <a:rPr lang="en-US" b="true" sz="6399">
+              <a:rPr lang="en-US" sz="6399" b="1">
                 <a:solidFill>
                   <a:srgbClr val="CAE8FF"/>
                 </a:solidFill>
@@ -4402,12 +4481,12 @@
       </p:sp>
       <p:sp>
         <p:nvSpPr>
-          <p:cNvPr name="TextBox 3" id="3"/>
-          <p:cNvSpPr txBox="true"/>
+          <p:cNvPr id="3" name="TextBox 3"/>
+          <p:cNvSpPr txBox="1"/>
           <p:nvPr/>
         </p:nvSpPr>
         <p:spPr>
-          <a:xfrm rot="0">
+          <a:xfrm>
             <a:off x="1028700" y="4341495"/>
             <a:ext cx="16230600" cy="4592955"/>
           </a:xfrm>
@@ -4416,7 +4495,7 @@
           </a:prstGeom>
         </p:spPr>
         <p:txBody>
-          <a:bodyPr anchor="t" rtlCol="false" tIns="0" lIns="0" bIns="0" rIns="0">
+          <a:bodyPr lIns="0" tIns="0" rIns="0" bIns="0" rtlCol="0" anchor="t">
             <a:spAutoFit/>
           </a:bodyPr>
           <a:lstStyle/>
@@ -4427,7 +4506,7 @@
               </a:lnSpc>
             </a:pPr>
             <a:r>
-              <a:rPr lang="en-US" b="true" sz="2100">
+              <a:rPr lang="en-US" sz="2100" b="1">
                 <a:solidFill>
                   <a:srgbClr val="F4F6FC"/>
                 </a:solidFill>
@@ -4440,14 +4519,14 @@
             </a:r>
           </a:p>
           <a:p>
-            <a:pPr algn="just" marL="453390" indent="-226695" lvl="1">
+            <a:pPr marL="453390" lvl="1" indent="-226695" algn="just">
               <a:lnSpc>
                 <a:spcPts val="2940"/>
               </a:lnSpc>
-              <a:buAutoNum type="arabicPeriod" startAt="1"/>
+              <a:buAutoNum type="arabicPeriod"/>
             </a:pPr>
             <a:r>
-              <a:rPr lang="en-US" b="true" sz="2100">
+              <a:rPr lang="en-US" sz="2100" b="1">
                 <a:solidFill>
                   <a:srgbClr val="F4F6FC"/>
                 </a:solidFill>
@@ -4460,14 +4539,14 @@
             </a:r>
           </a:p>
           <a:p>
-            <a:pPr algn="just" marL="453390" indent="-226695" lvl="1">
+            <a:pPr marL="453390" lvl="1" indent="-226695" algn="just">
               <a:lnSpc>
                 <a:spcPts val="2940"/>
               </a:lnSpc>
-              <a:buAutoNum type="arabicPeriod" startAt="1"/>
+              <a:buAutoNum type="arabicPeriod"/>
             </a:pPr>
             <a:r>
-              <a:rPr lang="en-US" b="true" sz="2100">
+              <a:rPr lang="en-US" sz="2100" b="1">
                 <a:solidFill>
                   <a:srgbClr val="F4F6FC"/>
                 </a:solidFill>
@@ -4486,7 +4565,7 @@
               </a:lnSpc>
             </a:pPr>
             <a:r>
-              <a:rPr lang="en-US" b="true" sz="2100">
+              <a:rPr lang="en-US" sz="2100" b="1">
                 <a:solidFill>
                   <a:srgbClr val="F4F6FC"/>
                 </a:solidFill>
@@ -4499,14 +4578,14 @@
             </a:r>
           </a:p>
           <a:p>
-            <a:pPr algn="just" marL="453390" indent="-226695" lvl="1">
+            <a:pPr marL="453390" lvl="1" indent="-226695" algn="just">
               <a:lnSpc>
                 <a:spcPts val="2940"/>
               </a:lnSpc>
-              <a:buAutoNum type="arabicPeriod" startAt="1"/>
+              <a:buAutoNum type="arabicPeriod"/>
             </a:pPr>
             <a:r>
-              <a:rPr lang="en-US" b="true" sz="2100">
+              <a:rPr lang="en-US" sz="2100" b="1">
                 <a:solidFill>
                   <a:srgbClr val="F4F6FC"/>
                 </a:solidFill>
@@ -4519,14 +4598,14 @@
             </a:r>
           </a:p>
           <a:p>
-            <a:pPr algn="just" marL="453390" indent="-226695" lvl="1">
+            <a:pPr marL="453390" lvl="1" indent="-226695" algn="just">
               <a:lnSpc>
                 <a:spcPts val="2940"/>
               </a:lnSpc>
-              <a:buAutoNum type="arabicPeriod" startAt="1"/>
+              <a:buAutoNum type="arabicPeriod"/>
             </a:pPr>
             <a:r>
-              <a:rPr lang="en-US" b="true" sz="2100">
+              <a:rPr lang="en-US" sz="2100" b="1">
                 <a:solidFill>
                   <a:srgbClr val="F4F6FC"/>
                 </a:solidFill>
@@ -4544,6 +4623,15 @@
                 <a:spcPts val="4200"/>
               </a:lnSpc>
             </a:pPr>
+            <a:endParaRPr lang="en-US" sz="2100" b="1">
+              <a:solidFill>
+                <a:srgbClr val="F4F6FC"/>
+              </a:solidFill>
+              <a:latin typeface="Open Sans Medium"/>
+              <a:ea typeface="Open Sans Medium"/>
+              <a:cs typeface="Open Sans Medium"/>
+              <a:sym typeface="Open Sans Medium"/>
+            </a:endParaRPr>
           </a:p>
         </p:txBody>
       </p:sp>
@@ -4556,13 +4644,14 @@
 </file>
 
 <file path=ppt/slides/slide5.xml><?xml version="1.0" encoding="utf-8"?>
-<p:sld xmlns:p="http://schemas.openxmlformats.org/presentationml/2006/main" xmlns:a="http://schemas.openxmlformats.org/drawingml/2006/main" xmlns:r="http://schemas.openxmlformats.org/officeDocument/2006/relationships">
+<p:sld xmlns:a="http://schemas.openxmlformats.org/drawingml/2006/main" xmlns:r="http://schemas.openxmlformats.org/officeDocument/2006/relationships" xmlns:p="http://schemas.openxmlformats.org/presentationml/2006/main">
   <p:cSld>
     <p:bg>
       <p:bgPr>
         <a:solidFill>
           <a:srgbClr val="050A30"/>
         </a:solidFill>
+        <a:effectLst/>
       </p:bgPr>
     </p:bg>
     <p:spTree>
@@ -4581,12 +4670,12 @@
       </p:grpSpPr>
       <p:sp>
         <p:nvSpPr>
-          <p:cNvPr name="TextBox 2" id="2"/>
-          <p:cNvSpPr txBox="true"/>
+          <p:cNvPr id="2" name="TextBox 2"/>
+          <p:cNvSpPr txBox="1"/>
           <p:nvPr/>
         </p:nvSpPr>
         <p:spPr>
-          <a:xfrm rot="0">
+          <a:xfrm>
             <a:off x="1028700" y="3831907"/>
             <a:ext cx="16230600" cy="2585085"/>
           </a:xfrm>
@@ -4595,7 +4684,7 @@
           </a:prstGeom>
         </p:spPr>
         <p:txBody>
-          <a:bodyPr anchor="t" rtlCol="false" tIns="0" lIns="0" bIns="0" rIns="0">
+          <a:bodyPr lIns="0" tIns="0" rIns="0" bIns="0" rtlCol="0" anchor="t">
             <a:spAutoFit/>
           </a:bodyPr>
           <a:lstStyle/>
@@ -4605,9 +4694,10 @@
                 <a:spcPts val="2940"/>
               </a:lnSpc>
             </a:pPr>
-          </a:p>
-          <a:p>
-            <a:pPr algn="just" marL="453390" indent="-226695" lvl="1">
+            <a:endParaRPr/>
+          </a:p>
+          <a:p>
+            <a:pPr marL="453390" lvl="1" indent="-226695" algn="just">
               <a:lnSpc>
                 <a:spcPts val="2940"/>
               </a:lnSpc>
@@ -4615,7 +4705,7 @@
               <a:buChar char="•"/>
             </a:pPr>
             <a:r>
-              <a:rPr lang="en-US" b="true" sz="2100">
+              <a:rPr lang="en-US" sz="2100" b="1">
                 <a:solidFill>
                   <a:srgbClr val="F4F6FC"/>
                 </a:solidFill>
@@ -4628,7 +4718,7 @@
             </a:r>
           </a:p>
           <a:p>
-            <a:pPr algn="just" marL="453390" indent="-226695" lvl="1">
+            <a:pPr marL="453390" lvl="1" indent="-226695" algn="just">
               <a:lnSpc>
                 <a:spcPts val="2940"/>
               </a:lnSpc>
@@ -4636,7 +4726,7 @@
               <a:buChar char="•"/>
             </a:pPr>
             <a:r>
-              <a:rPr lang="en-US" b="true" sz="2100">
+              <a:rPr lang="en-US" sz="2100" b="1">
                 <a:solidFill>
                   <a:srgbClr val="F4F6FC"/>
                 </a:solidFill>
@@ -4649,7 +4739,7 @@
             </a:r>
           </a:p>
           <a:p>
-            <a:pPr algn="just" marL="453390" indent="-226695" lvl="1">
+            <a:pPr marL="453390" lvl="1" indent="-226695" algn="just">
               <a:lnSpc>
                 <a:spcPts val="2940"/>
               </a:lnSpc>
@@ -4657,7 +4747,7 @@
               <a:buChar char="•"/>
             </a:pPr>
             <a:r>
-              <a:rPr lang="en-US" b="true" sz="2100">
+              <a:rPr lang="en-US" sz="2100" b="1">
                 <a:solidFill>
                   <a:srgbClr val="F4F6FC"/>
                 </a:solidFill>
@@ -4675,17 +4765,26 @@
                 <a:spcPts val="2940"/>
               </a:lnSpc>
             </a:pPr>
-          </a:p>
-        </p:txBody>
-      </p:sp>
-      <p:sp>
-        <p:nvSpPr>
-          <p:cNvPr name="TextBox 3" id="3"/>
-          <p:cNvSpPr txBox="true"/>
+            <a:endParaRPr lang="en-US" sz="2100" b="1">
+              <a:solidFill>
+                <a:srgbClr val="F4F6FC"/>
+              </a:solidFill>
+              <a:latin typeface="Open Sans Medium"/>
+              <a:ea typeface="Open Sans Medium"/>
+              <a:cs typeface="Open Sans Medium"/>
+              <a:sym typeface="Open Sans Medium"/>
+            </a:endParaRPr>
+          </a:p>
+        </p:txBody>
+      </p:sp>
+      <p:sp>
+        <p:nvSpPr>
+          <p:cNvPr id="3" name="TextBox 3"/>
+          <p:cNvSpPr txBox="1"/>
           <p:nvPr/>
         </p:nvSpPr>
         <p:spPr>
-          <a:xfrm rot="0">
+          <a:xfrm>
             <a:off x="5004555" y="1057275"/>
             <a:ext cx="8583691" cy="2228215"/>
           </a:xfrm>
@@ -4694,7 +4793,7 @@
           </a:prstGeom>
         </p:spPr>
         <p:txBody>
-          <a:bodyPr anchor="t" rtlCol="false" tIns="0" lIns="0" bIns="0" rIns="0">
+          <a:bodyPr lIns="0" tIns="0" rIns="0" bIns="0" rtlCol="0" anchor="t">
             <a:spAutoFit/>
           </a:bodyPr>
           <a:lstStyle/>
@@ -4705,7 +4804,7 @@
               </a:lnSpc>
             </a:pPr>
             <a:r>
-              <a:rPr lang="en-US" b="true" sz="6399">
+              <a:rPr lang="en-US" sz="6399" b="1">
                 <a:solidFill>
                   <a:srgbClr val="CAE8FF"/>
                 </a:solidFill>
@@ -4721,12 +4820,12 @@
       </p:sp>
       <p:sp>
         <p:nvSpPr>
-          <p:cNvPr name="Freeform 4" id="4"/>
+          <p:cNvPr id="4" name="Freeform 4"/>
           <p:cNvSpPr/>
           <p:nvPr/>
         </p:nvSpPr>
         <p:spPr>
-          <a:xfrm flipH="false" flipV="false" rot="-8100000">
+          <a:xfrm rot="-8100000">
             <a:off x="14509522" y="-246461"/>
             <a:ext cx="5376539" cy="3978639"/>
           </a:xfrm>
@@ -4735,9 +4834,9 @@
             <a:gdLst/>
             <a:ahLst/>
             <a:cxnLst/>
-            <a:rect r="r" b="b" t="t" l="l"/>
+            <a:rect l="l" t="t" r="r" b="b"/>
             <a:pathLst>
-              <a:path h="3978639" w="5376539">
+              <a:path w="5376539" h="3978639">
                 <a:moveTo>
                   <a:pt x="0" y="0"/>
                 </a:moveTo>
@@ -4766,10 +4865,17 @@
               </a:extLst>
             </a:blip>
             <a:stretch>
-              <a:fillRect l="0" t="0" r="0" b="0"/>
+              <a:fillRect/>
             </a:stretch>
           </a:blipFill>
         </p:spPr>
+        <p:txBody>
+          <a:bodyPr/>
+          <a:lstStyle/>
+          <a:p>
+            <a:endParaRPr lang="es-AR"/>
+          </a:p>
+        </p:txBody>
       </p:sp>
     </p:spTree>
   </p:cSld>
@@ -4780,13 +4886,14 @@
 </file>
 
 <file path=ppt/slides/slide6.xml><?xml version="1.0" encoding="utf-8"?>
-<p:sld xmlns:p="http://schemas.openxmlformats.org/presentationml/2006/main" xmlns:a="http://schemas.openxmlformats.org/drawingml/2006/main" xmlns:r="http://schemas.openxmlformats.org/officeDocument/2006/relationships">
+<p:sld xmlns:a="http://schemas.openxmlformats.org/drawingml/2006/main" xmlns:r="http://schemas.openxmlformats.org/officeDocument/2006/relationships" xmlns:p="http://schemas.openxmlformats.org/presentationml/2006/main">
   <p:cSld>
     <p:bg>
       <p:bgPr>
         <a:solidFill>
           <a:srgbClr val="050A30"/>
         </a:solidFill>
+        <a:effectLst/>
       </p:bgPr>
     </p:bg>
     <p:spTree>
@@ -4805,12 +4912,12 @@
       </p:grpSpPr>
       <p:sp>
         <p:nvSpPr>
-          <p:cNvPr name="TextBox 2" id="2"/>
-          <p:cNvSpPr txBox="true"/>
+          <p:cNvPr id="2" name="TextBox 2"/>
+          <p:cNvSpPr txBox="1"/>
           <p:nvPr/>
         </p:nvSpPr>
         <p:spPr>
-          <a:xfrm rot="0">
+          <a:xfrm>
             <a:off x="1028700" y="4980871"/>
             <a:ext cx="16230600" cy="2585085"/>
           </a:xfrm>
@@ -4819,7 +4926,7 @@
           </a:prstGeom>
         </p:spPr>
         <p:txBody>
-          <a:bodyPr anchor="t" rtlCol="false" tIns="0" lIns="0" bIns="0" rIns="0">
+          <a:bodyPr lIns="0" tIns="0" rIns="0" bIns="0" rtlCol="0" anchor="t">
             <a:spAutoFit/>
           </a:bodyPr>
           <a:lstStyle/>
@@ -4830,7 +4937,7 @@
               </a:lnSpc>
             </a:pPr>
             <a:r>
-              <a:rPr lang="en-US" sz="2100" b="true">
+              <a:rPr lang="en-US" sz="2100" b="1">
                 <a:solidFill>
                   <a:srgbClr val="F4F6FC"/>
                 </a:solidFill>
@@ -4879,17 +4986,26 @@
                 <a:spcPts val="2940"/>
               </a:lnSpc>
             </a:pPr>
-          </a:p>
-        </p:txBody>
-      </p:sp>
-      <p:sp>
-        <p:nvSpPr>
-          <p:cNvPr name="TextBox 3" id="3"/>
-          <p:cNvSpPr txBox="true"/>
+            <a:endParaRPr lang="en-US" sz="2100">
+              <a:solidFill>
+                <a:srgbClr val="F4F6FC"/>
+              </a:solidFill>
+              <a:latin typeface="Open Sans"/>
+              <a:ea typeface="Open Sans"/>
+              <a:cs typeface="Open Sans"/>
+              <a:sym typeface="Open Sans"/>
+            </a:endParaRPr>
+          </a:p>
+        </p:txBody>
+      </p:sp>
+      <p:sp>
+        <p:nvSpPr>
+          <p:cNvPr id="3" name="TextBox 3"/>
+          <p:cNvSpPr txBox="1"/>
           <p:nvPr/>
         </p:nvSpPr>
         <p:spPr>
-          <a:xfrm rot="0">
+          <a:xfrm>
             <a:off x="4852155" y="904875"/>
             <a:ext cx="8583691" cy="3361690"/>
           </a:xfrm>
@@ -4898,7 +5014,7 @@
           </a:prstGeom>
         </p:spPr>
         <p:txBody>
-          <a:bodyPr anchor="t" rtlCol="false" tIns="0" lIns="0" bIns="0" rIns="0">
+          <a:bodyPr lIns="0" tIns="0" rIns="0" bIns="0" rtlCol="0" anchor="t">
             <a:spAutoFit/>
           </a:bodyPr>
           <a:lstStyle/>
@@ -4909,7 +5025,7 @@
               </a:lnSpc>
             </a:pPr>
             <a:r>
-              <a:rPr lang="en-US" b="true" sz="6399">
+              <a:rPr lang="en-US" sz="6399" b="1">
                 <a:solidFill>
                   <a:srgbClr val="CAE8FF"/>
                 </a:solidFill>
@@ -4925,12 +5041,12 @@
       </p:sp>
       <p:sp>
         <p:nvSpPr>
-          <p:cNvPr name="Freeform 4" id="4"/>
+          <p:cNvPr id="4" name="Freeform 4"/>
           <p:cNvSpPr/>
           <p:nvPr/>
         </p:nvSpPr>
         <p:spPr>
-          <a:xfrm flipH="false" flipV="false" rot="-8100000">
+          <a:xfrm rot="-8100000">
             <a:off x="14357122" y="-398861"/>
             <a:ext cx="5376539" cy="3978639"/>
           </a:xfrm>
@@ -4939,9 +5055,9 @@
             <a:gdLst/>
             <a:ahLst/>
             <a:cxnLst/>
-            <a:rect r="r" b="b" t="t" l="l"/>
+            <a:rect l="l" t="t" r="r" b="b"/>
             <a:pathLst>
-              <a:path h="3978639" w="5376539">
+              <a:path w="5376539" h="3978639">
                 <a:moveTo>
                   <a:pt x="0" y="0"/>
                 </a:moveTo>
@@ -4970,10 +5086,17 @@
               </a:extLst>
             </a:blip>
             <a:stretch>
-              <a:fillRect l="0" t="0" r="0" b="0"/>
+              <a:fillRect/>
             </a:stretch>
           </a:blipFill>
         </p:spPr>
+        <p:txBody>
+          <a:bodyPr/>
+          <a:lstStyle/>
+          <a:p>
+            <a:endParaRPr lang="es-AR"/>
+          </a:p>
+        </p:txBody>
       </p:sp>
     </p:spTree>
   </p:cSld>
@@ -4984,13 +5107,14 @@
 </file>
 
 <file path=ppt/slides/slide7.xml><?xml version="1.0" encoding="utf-8"?>
-<p:sld xmlns:p="http://schemas.openxmlformats.org/presentationml/2006/main" xmlns:a="http://schemas.openxmlformats.org/drawingml/2006/main" xmlns:r="http://schemas.openxmlformats.org/officeDocument/2006/relationships">
+<p:sld xmlns:a="http://schemas.openxmlformats.org/drawingml/2006/main" xmlns:r="http://schemas.openxmlformats.org/officeDocument/2006/relationships" xmlns:p="http://schemas.openxmlformats.org/presentationml/2006/main">
   <p:cSld>
     <p:bg>
       <p:bgPr>
         <a:solidFill>
           <a:srgbClr val="050A30"/>
         </a:solidFill>
+        <a:effectLst/>
       </p:bgPr>
     </p:bg>
     <p:spTree>
@@ -5009,12 +5133,12 @@
       </p:grpSpPr>
       <p:sp>
         <p:nvSpPr>
-          <p:cNvPr name="TextBox 2" id="2"/>
-          <p:cNvSpPr txBox="true"/>
+          <p:cNvPr id="2" name="TextBox 2"/>
+          <p:cNvSpPr txBox="1"/>
           <p:nvPr/>
         </p:nvSpPr>
         <p:spPr>
-          <a:xfrm rot="0">
+          <a:xfrm>
             <a:off x="4852155" y="904875"/>
             <a:ext cx="8583691" cy="1094740"/>
           </a:xfrm>
@@ -5023,7 +5147,7 @@
           </a:prstGeom>
         </p:spPr>
         <p:txBody>
-          <a:bodyPr anchor="t" rtlCol="false" tIns="0" lIns="0" bIns="0" rIns="0">
+          <a:bodyPr lIns="0" tIns="0" rIns="0" bIns="0" rtlCol="0" anchor="t">
             <a:spAutoFit/>
           </a:bodyPr>
           <a:lstStyle/>
@@ -5034,7 +5158,7 @@
               </a:lnSpc>
             </a:pPr>
             <a:r>
-              <a:rPr lang="en-US" b="true" sz="6399">
+              <a:rPr lang="en-US" sz="6399" b="1">
                 <a:solidFill>
                   <a:srgbClr val="CAE8FF"/>
                 </a:solidFill>
@@ -5050,12 +5174,12 @@
       </p:sp>
       <p:sp>
         <p:nvSpPr>
-          <p:cNvPr name="TextBox 3" id="3"/>
-          <p:cNvSpPr txBox="true"/>
+          <p:cNvPr id="3" name="TextBox 3"/>
+          <p:cNvSpPr txBox="1"/>
           <p:nvPr/>
         </p:nvSpPr>
         <p:spPr>
-          <a:xfrm rot="0">
+          <a:xfrm>
             <a:off x="4852155" y="3710477"/>
             <a:ext cx="8583691" cy="3328035"/>
           </a:xfrm>
@@ -5064,19 +5188,19 @@
           </a:prstGeom>
         </p:spPr>
         <p:txBody>
-          <a:bodyPr anchor="t" rtlCol="false" tIns="0" lIns="0" bIns="0" rIns="0">
+          <a:bodyPr lIns="0" tIns="0" rIns="0" bIns="0" rtlCol="0" anchor="t">
             <a:spAutoFit/>
           </a:bodyPr>
           <a:lstStyle/>
           <a:p>
-            <a:pPr algn="just" marL="453390" indent="-226695" lvl="1">
+            <a:pPr marL="453390" lvl="1" indent="-226695" algn="just">
               <a:lnSpc>
                 <a:spcPts val="2940"/>
               </a:lnSpc>
-              <a:buAutoNum type="arabicPeriod" startAt="1"/>
+              <a:buAutoNum type="arabicPeriod"/>
             </a:pPr>
             <a:r>
-              <a:rPr lang="en-US" b="true" sz="2100">
+              <a:rPr lang="en-US" sz="2100" b="1">
                 <a:solidFill>
                   <a:srgbClr val="F4F6FC"/>
                 </a:solidFill>
@@ -5085,30 +5209,18 @@
                 <a:cs typeface="Open Sans Medium"/>
                 <a:sym typeface="Open Sans Medium"/>
               </a:rPr>
-              <a:t>D</a:t>
-            </a:r>
-            <a:r>
-              <a:rPr lang="en-US" b="true" sz="2100">
-                <a:solidFill>
-                  <a:srgbClr val="F4F6FC"/>
-                </a:solidFill>
-                <a:latin typeface="Open Sans Medium"/>
-                <a:ea typeface="Open Sans Medium"/>
-                <a:cs typeface="Open Sans Medium"/>
-                <a:sym typeface="Open Sans Medium"/>
-              </a:rPr>
-              <a:t>esarrollar un sistema basado en IA para educar a los usuarios sobre cómo generar contraseñas seguras.</a:t>
-            </a:r>
-          </a:p>
-          <a:p>
-            <a:pPr algn="just" marL="453390" indent="-226695" lvl="1">
+              <a:t>Desarrollar un sistema basado en IA para educar a los usuarios sobre cómo generar contraseñas seguras.</a:t>
+            </a:r>
+          </a:p>
+          <a:p>
+            <a:pPr marL="453390" lvl="1" indent="-226695" algn="just">
               <a:lnSpc>
                 <a:spcPts val="2940"/>
               </a:lnSpc>
-              <a:buAutoNum type="arabicPeriod" startAt="1"/>
+              <a:buAutoNum type="arabicPeriod"/>
             </a:pPr>
             <a:r>
-              <a:rPr lang="en-US" b="true" sz="2100">
+              <a:rPr lang="en-US" sz="2100" b="1">
                 <a:solidFill>
                   <a:srgbClr val="F4F6FC"/>
                 </a:solidFill>
@@ -5121,14 +5233,14 @@
             </a:r>
           </a:p>
           <a:p>
-            <a:pPr algn="just" marL="453390" indent="-226695" lvl="1">
+            <a:pPr marL="453390" lvl="1" indent="-226695" algn="just">
               <a:lnSpc>
                 <a:spcPts val="2940"/>
               </a:lnSpc>
-              <a:buAutoNum type="arabicPeriod" startAt="1"/>
+              <a:buAutoNum type="arabicPeriod"/>
             </a:pPr>
             <a:r>
-              <a:rPr lang="en-US" b="true" sz="2100">
+              <a:rPr lang="en-US" sz="2100" b="1">
                 <a:solidFill>
                   <a:srgbClr val="F4F6FC"/>
                 </a:solidFill>
@@ -5141,14 +5253,14 @@
             </a:r>
           </a:p>
           <a:p>
-            <a:pPr algn="just" marL="453390" indent="-226695" lvl="1">
+            <a:pPr marL="453390" lvl="1" indent="-226695" algn="just">
               <a:lnSpc>
                 <a:spcPts val="2940"/>
               </a:lnSpc>
-              <a:buAutoNum type="arabicPeriod" startAt="1"/>
+              <a:buAutoNum type="arabicPeriod"/>
             </a:pPr>
             <a:r>
-              <a:rPr lang="en-US" b="true" sz="2100">
+              <a:rPr lang="en-US" sz="2100" b="1">
                 <a:solidFill>
                   <a:srgbClr val="F4F6FC"/>
                 </a:solidFill>
@@ -5166,17 +5278,26 @@
                 <a:spcPts val="2940"/>
               </a:lnSpc>
             </a:pPr>
-          </a:p>
-        </p:txBody>
-      </p:sp>
-      <p:sp>
-        <p:nvSpPr>
-          <p:cNvPr name="Freeform 4" id="4"/>
+            <a:endParaRPr lang="en-US" sz="2100" b="1">
+              <a:solidFill>
+                <a:srgbClr val="F4F6FC"/>
+              </a:solidFill>
+              <a:latin typeface="Open Sans Medium"/>
+              <a:ea typeface="Open Sans Medium"/>
+              <a:cs typeface="Open Sans Medium"/>
+              <a:sym typeface="Open Sans Medium"/>
+            </a:endParaRPr>
+          </a:p>
+        </p:txBody>
+      </p:sp>
+      <p:sp>
+        <p:nvSpPr>
+          <p:cNvPr id="4" name="Freeform 4"/>
           <p:cNvSpPr/>
           <p:nvPr/>
         </p:nvSpPr>
         <p:spPr>
-          <a:xfrm flipH="false" flipV="false" rot="2700000">
+          <a:xfrm rot="2700000">
             <a:off x="-1181282" y="6823620"/>
             <a:ext cx="5376539" cy="3978639"/>
           </a:xfrm>
@@ -5185,9 +5306,9 @@
             <a:gdLst/>
             <a:ahLst/>
             <a:cxnLst/>
-            <a:rect r="r" b="b" t="t" l="l"/>
+            <a:rect l="l" t="t" r="r" b="b"/>
             <a:pathLst>
-              <a:path h="3978639" w="5376539">
+              <a:path w="5376539" h="3978639">
                 <a:moveTo>
                   <a:pt x="0" y="0"/>
                 </a:moveTo>
@@ -5216,19 +5337,26 @@
               </a:extLst>
             </a:blip>
             <a:stretch>
-              <a:fillRect l="0" t="0" r="0" b="0"/>
+              <a:fillRect/>
             </a:stretch>
           </a:blipFill>
         </p:spPr>
-      </p:sp>
-      <p:sp>
-        <p:nvSpPr>
-          <p:cNvPr name="Freeform 5" id="5"/>
+        <p:txBody>
+          <a:bodyPr/>
+          <a:lstStyle/>
+          <a:p>
+            <a:endParaRPr lang="es-AR"/>
+          </a:p>
+        </p:txBody>
+      </p:sp>
+      <p:sp>
+        <p:nvSpPr>
+          <p:cNvPr id="5" name="Freeform 5"/>
           <p:cNvSpPr/>
           <p:nvPr/>
         </p:nvSpPr>
         <p:spPr>
-          <a:xfrm flipH="false" flipV="false" rot="-8100000">
+          <a:xfrm rot="-8100000">
             <a:off x="14204722" y="-551261"/>
             <a:ext cx="5376539" cy="3978639"/>
           </a:xfrm>
@@ -5237,9 +5365,9 @@
             <a:gdLst/>
             <a:ahLst/>
             <a:cxnLst/>
-            <a:rect r="r" b="b" t="t" l="l"/>
+            <a:rect l="l" t="t" r="r" b="b"/>
             <a:pathLst>
-              <a:path h="3978639" w="5376539">
+              <a:path w="5376539" h="3978639">
                 <a:moveTo>
                   <a:pt x="0" y="0"/>
                 </a:moveTo>
@@ -5268,10 +5396,17 @@
               </a:extLst>
             </a:blip>
             <a:stretch>
-              <a:fillRect l="0" t="0" r="0" b="0"/>
+              <a:fillRect/>
             </a:stretch>
           </a:blipFill>
         </p:spPr>
+        <p:txBody>
+          <a:bodyPr/>
+          <a:lstStyle/>
+          <a:p>
+            <a:endParaRPr lang="es-AR"/>
+          </a:p>
+        </p:txBody>
       </p:sp>
     </p:spTree>
   </p:cSld>
@@ -5282,13 +5417,14 @@
 </file>
 
 <file path=ppt/slides/slide8.xml><?xml version="1.0" encoding="utf-8"?>
-<p:sld xmlns:p="http://schemas.openxmlformats.org/presentationml/2006/main" xmlns:a="http://schemas.openxmlformats.org/drawingml/2006/main" xmlns:r="http://schemas.openxmlformats.org/officeDocument/2006/relationships">
+<p:sld xmlns:a="http://schemas.openxmlformats.org/drawingml/2006/main" xmlns:r="http://schemas.openxmlformats.org/officeDocument/2006/relationships" xmlns:p="http://schemas.openxmlformats.org/presentationml/2006/main">
   <p:cSld>
     <p:bg>
       <p:bgPr>
         <a:solidFill>
           <a:srgbClr val="050A30"/>
         </a:solidFill>
+        <a:effectLst/>
       </p:bgPr>
     </p:bg>
     <p:spTree>
@@ -5307,12 +5443,12 @@
       </p:grpSpPr>
       <p:sp>
         <p:nvSpPr>
-          <p:cNvPr name="TextBox 2" id="2"/>
-          <p:cNvSpPr txBox="true"/>
+          <p:cNvPr id="2" name="TextBox 2"/>
+          <p:cNvSpPr txBox="1"/>
           <p:nvPr/>
         </p:nvSpPr>
         <p:spPr>
-          <a:xfrm rot="0">
+          <a:xfrm>
             <a:off x="4852155" y="2958465"/>
             <a:ext cx="8583691" cy="6299835"/>
           </a:xfrm>
@@ -5321,7 +5457,7 @@
           </a:prstGeom>
         </p:spPr>
         <p:txBody>
-          <a:bodyPr anchor="t" rtlCol="false" tIns="0" lIns="0" bIns="0" rIns="0">
+          <a:bodyPr lIns="0" tIns="0" rIns="0" bIns="0" rtlCol="0" anchor="t">
             <a:spAutoFit/>
           </a:bodyPr>
           <a:lstStyle/>
@@ -5332,7 +5468,7 @@
               </a:lnSpc>
             </a:pPr>
             <a:r>
-              <a:rPr lang="en-US" b="true" sz="2100">
+              <a:rPr lang="en-US" sz="2100" b="1">
                 <a:solidFill>
                   <a:srgbClr val="F4F6FC"/>
                 </a:solidFill>
@@ -5341,30 +5477,18 @@
                 <a:cs typeface="Open Sans Medium"/>
                 <a:sym typeface="Open Sans Medium"/>
               </a:rPr>
-              <a:t>El pr</a:t>
-            </a:r>
-            <a:r>
-              <a:rPr lang="en-US" b="true" sz="2100">
-                <a:solidFill>
-                  <a:srgbClr val="F4F6FC"/>
-                </a:solidFill>
-                <a:latin typeface="Open Sans Medium"/>
-                <a:ea typeface="Open Sans Medium"/>
-                <a:cs typeface="Open Sans Medium"/>
-                <a:sym typeface="Open Sans Medium"/>
-              </a:rPr>
-              <a:t>oyecto se llevará a cabo en las siguientes etapas:</a:t>
-            </a:r>
-          </a:p>
-          <a:p>
-            <a:pPr algn="just" marL="453390" indent="-226695" lvl="1">
+              <a:t>El proyecto se llevará a cabo en las siguientes etapas:</a:t>
+            </a:r>
+          </a:p>
+          <a:p>
+            <a:pPr marL="453390" lvl="1" indent="-226695" algn="just">
               <a:lnSpc>
                 <a:spcPts val="2940"/>
               </a:lnSpc>
-              <a:buAutoNum type="arabicPeriod" startAt="1"/>
+              <a:buAutoNum type="arabicPeriod"/>
             </a:pPr>
             <a:r>
-              <a:rPr lang="en-US" b="true" sz="2100">
+              <a:rPr lang="en-US" sz="2100" b="1">
                 <a:solidFill>
                   <a:srgbClr val="F4F6FC"/>
                 </a:solidFill>
@@ -5377,14 +5501,14 @@
             </a:r>
           </a:p>
           <a:p>
-            <a:pPr algn="just" marL="453390" indent="-226695" lvl="1">
+            <a:pPr marL="453390" lvl="1" indent="-226695" algn="just">
               <a:lnSpc>
                 <a:spcPts val="2940"/>
               </a:lnSpc>
-              <a:buAutoNum type="arabicPeriod" startAt="1"/>
+              <a:buAutoNum type="arabicPeriod"/>
             </a:pPr>
             <a:r>
-              <a:rPr lang="en-US" b="true" sz="2100">
+              <a:rPr lang="en-US" sz="2100" b="1">
                 <a:solidFill>
                   <a:srgbClr val="F4F6FC"/>
                 </a:solidFill>
@@ -5397,7 +5521,7 @@
             </a:r>
           </a:p>
           <a:p>
-            <a:pPr algn="just" marL="906780" indent="-302260" lvl="2">
+            <a:pPr marL="906780" lvl="2" indent="-302260" algn="just">
               <a:lnSpc>
                 <a:spcPts val="2940"/>
               </a:lnSpc>
@@ -5405,7 +5529,7 @@
               <a:buChar char="⚬"/>
             </a:pPr>
             <a:r>
-              <a:rPr lang="en-US" b="true" sz="2100">
+              <a:rPr lang="en-US" sz="2100" b="1">
                 <a:solidFill>
                   <a:srgbClr val="F4F6FC"/>
                 </a:solidFill>
@@ -5418,7 +5542,7 @@
             </a:r>
           </a:p>
           <a:p>
-            <a:pPr algn="just" marL="906780" indent="-302260" lvl="2">
+            <a:pPr marL="906780" lvl="2" indent="-302260" algn="just">
               <a:lnSpc>
                 <a:spcPts val="2940"/>
               </a:lnSpc>
@@ -5426,7 +5550,7 @@
               <a:buChar char="⚬"/>
             </a:pPr>
             <a:r>
-              <a:rPr lang="en-US" b="true" sz="2100">
+              <a:rPr lang="en-US" sz="2100" b="1">
                 <a:solidFill>
                   <a:srgbClr val="F4F6FC"/>
                 </a:solidFill>
@@ -5439,14 +5563,14 @@
             </a:r>
           </a:p>
           <a:p>
-            <a:pPr algn="just" marL="453390" indent="-226695" lvl="1">
+            <a:pPr marL="453390" lvl="1" indent="-226695" algn="just">
               <a:lnSpc>
                 <a:spcPts val="2940"/>
               </a:lnSpc>
-              <a:buAutoNum type="arabicPeriod" startAt="1"/>
+              <a:buAutoNum type="arabicPeriod"/>
             </a:pPr>
             <a:r>
-              <a:rPr lang="en-US" b="true" sz="2100">
+              <a:rPr lang="en-US" sz="2100" b="1">
                 <a:solidFill>
                   <a:srgbClr val="F4F6FC"/>
                 </a:solidFill>
@@ -5459,14 +5583,14 @@
             </a:r>
           </a:p>
           <a:p>
-            <a:pPr algn="just" marL="453390" indent="-226695" lvl="1">
+            <a:pPr marL="453390" lvl="1" indent="-226695" algn="just">
               <a:lnSpc>
                 <a:spcPts val="2940"/>
               </a:lnSpc>
-              <a:buAutoNum type="arabicPeriod" startAt="1"/>
+              <a:buAutoNum type="arabicPeriod"/>
             </a:pPr>
             <a:r>
-              <a:rPr lang="en-US" b="true" sz="2100">
+              <a:rPr lang="en-US" sz="2100" b="1">
                 <a:solidFill>
                   <a:srgbClr val="F4F6FC"/>
                 </a:solidFill>
@@ -5484,17 +5608,26 @@
                 <a:spcPts val="2940"/>
               </a:lnSpc>
             </a:pPr>
-          </a:p>
-        </p:txBody>
-      </p:sp>
-      <p:sp>
-        <p:nvSpPr>
-          <p:cNvPr name="TextBox 3" id="3"/>
-          <p:cNvSpPr txBox="true"/>
+            <a:endParaRPr lang="en-US" sz="2100" b="1">
+              <a:solidFill>
+                <a:srgbClr val="F4F6FC"/>
+              </a:solidFill>
+              <a:latin typeface="Open Sans Medium"/>
+              <a:ea typeface="Open Sans Medium"/>
+              <a:cs typeface="Open Sans Medium"/>
+              <a:sym typeface="Open Sans Medium"/>
+            </a:endParaRPr>
+          </a:p>
+        </p:txBody>
+      </p:sp>
+      <p:sp>
+        <p:nvSpPr>
+          <p:cNvPr id="3" name="TextBox 3"/>
+          <p:cNvSpPr txBox="1"/>
           <p:nvPr/>
         </p:nvSpPr>
         <p:spPr>
-          <a:xfrm rot="0">
+          <a:xfrm>
             <a:off x="4852155" y="904875"/>
             <a:ext cx="8583691" cy="1094740"/>
           </a:xfrm>
@@ -5503,7 +5636,7 @@
           </a:prstGeom>
         </p:spPr>
         <p:txBody>
-          <a:bodyPr anchor="t" rtlCol="false" tIns="0" lIns="0" bIns="0" rIns="0">
+          <a:bodyPr lIns="0" tIns="0" rIns="0" bIns="0" rtlCol="0" anchor="t">
             <a:spAutoFit/>
           </a:bodyPr>
           <a:lstStyle/>
@@ -5514,7 +5647,7 @@
               </a:lnSpc>
             </a:pPr>
             <a:r>
-              <a:rPr lang="en-US" b="true" sz="6399">
+              <a:rPr lang="en-US" sz="6399" b="1">
                 <a:solidFill>
                   <a:srgbClr val="CAE8FF"/>
                 </a:solidFill>
@@ -5530,12 +5663,12 @@
       </p:sp>
       <p:sp>
         <p:nvSpPr>
-          <p:cNvPr name="Freeform 4" id="4"/>
+          <p:cNvPr id="4" name="Freeform 4"/>
           <p:cNvSpPr/>
           <p:nvPr/>
         </p:nvSpPr>
         <p:spPr>
-          <a:xfrm flipH="false" flipV="false" rot="-8100000">
+          <a:xfrm rot="-8100000">
             <a:off x="14357122" y="-398861"/>
             <a:ext cx="5376539" cy="3978639"/>
           </a:xfrm>
@@ -5544,9 +5677,9 @@
             <a:gdLst/>
             <a:ahLst/>
             <a:cxnLst/>
-            <a:rect r="r" b="b" t="t" l="l"/>
+            <a:rect l="l" t="t" r="r" b="b"/>
             <a:pathLst>
-              <a:path h="3978639" w="5376539">
+              <a:path w="5376539" h="3978639">
                 <a:moveTo>
                   <a:pt x="0" y="0"/>
                 </a:moveTo>
@@ -5575,19 +5708,26 @@
               </a:extLst>
             </a:blip>
             <a:stretch>
-              <a:fillRect l="0" t="0" r="0" b="0"/>
+              <a:fillRect/>
             </a:stretch>
           </a:blipFill>
         </p:spPr>
-      </p:sp>
-      <p:sp>
-        <p:nvSpPr>
-          <p:cNvPr name="Freeform 5" id="5"/>
+        <p:txBody>
+          <a:bodyPr/>
+          <a:lstStyle/>
+          <a:p>
+            <a:endParaRPr lang="es-AR"/>
+          </a:p>
+        </p:txBody>
+      </p:sp>
+      <p:sp>
+        <p:nvSpPr>
+          <p:cNvPr id="5" name="Freeform 5"/>
           <p:cNvSpPr/>
           <p:nvPr/>
         </p:nvSpPr>
         <p:spPr>
-          <a:xfrm flipH="false" flipV="false" rot="2700000">
+          <a:xfrm rot="2700000">
             <a:off x="-1028882" y="6976020"/>
             <a:ext cx="5376539" cy="3978639"/>
           </a:xfrm>
@@ -5596,9 +5736,9 @@
             <a:gdLst/>
             <a:ahLst/>
             <a:cxnLst/>
-            <a:rect r="r" b="b" t="t" l="l"/>
+            <a:rect l="l" t="t" r="r" b="b"/>
             <a:pathLst>
-              <a:path h="3978639" w="5376539">
+              <a:path w="5376539" h="3978639">
                 <a:moveTo>
                   <a:pt x="0" y="0"/>
                 </a:moveTo>
@@ -5627,10 +5767,17 @@
               </a:extLst>
             </a:blip>
             <a:stretch>
-              <a:fillRect l="0" t="0" r="0" b="0"/>
+              <a:fillRect/>
             </a:stretch>
           </a:blipFill>
         </p:spPr>
+        <p:txBody>
+          <a:bodyPr/>
+          <a:lstStyle/>
+          <a:p>
+            <a:endParaRPr lang="es-AR"/>
+          </a:p>
+        </p:txBody>
       </p:sp>
     </p:spTree>
   </p:cSld>
@@ -5641,13 +5788,14 @@
 </file>
 
 <file path=ppt/slides/slide9.xml><?xml version="1.0" encoding="utf-8"?>
-<p:sld xmlns:p="http://schemas.openxmlformats.org/presentationml/2006/main" xmlns:a="http://schemas.openxmlformats.org/drawingml/2006/main" xmlns:r="http://schemas.openxmlformats.org/officeDocument/2006/relationships">
+<p:sld xmlns:a="http://schemas.openxmlformats.org/drawingml/2006/main" xmlns:r="http://schemas.openxmlformats.org/officeDocument/2006/relationships" xmlns:p="http://schemas.openxmlformats.org/presentationml/2006/main">
   <p:cSld>
     <p:bg>
       <p:bgPr>
         <a:solidFill>
           <a:srgbClr val="050A30"/>
         </a:solidFill>
+        <a:effectLst/>
       </p:bgPr>
     </p:bg>
     <p:spTree>
@@ -5666,12 +5814,12 @@
       </p:grpSpPr>
       <p:sp>
         <p:nvSpPr>
-          <p:cNvPr name="TextBox 2" id="2"/>
-          <p:cNvSpPr txBox="true"/>
+          <p:cNvPr id="2" name="TextBox 2"/>
+          <p:cNvSpPr txBox="1"/>
           <p:nvPr/>
         </p:nvSpPr>
         <p:spPr>
-          <a:xfrm rot="0">
+          <a:xfrm>
             <a:off x="1028700" y="3244215"/>
             <a:ext cx="16230600" cy="4442460"/>
           </a:xfrm>
@@ -5680,19 +5828,19 @@
           </a:prstGeom>
         </p:spPr>
         <p:txBody>
-          <a:bodyPr anchor="t" rtlCol="false" tIns="0" lIns="0" bIns="0" rIns="0">
+          <a:bodyPr lIns="0" tIns="0" rIns="0" bIns="0" rtlCol="0" anchor="t">
             <a:spAutoFit/>
           </a:bodyPr>
           <a:lstStyle/>
           <a:p>
-            <a:pPr algn="just" marL="453390" indent="-226695" lvl="1">
+            <a:pPr marL="453390" lvl="1" indent="-226695" algn="just">
               <a:lnSpc>
                 <a:spcPts val="2940"/>
               </a:lnSpc>
-              <a:buAutoNum type="arabicPeriod" startAt="1"/>
+              <a:buAutoNum type="arabicPeriod"/>
             </a:pPr>
             <a:r>
-              <a:rPr lang="en-US" b="true" sz="2100">
+              <a:rPr lang="en-US" sz="2100" b="1">
                 <a:solidFill>
                   <a:srgbClr val="F4F6FC"/>
                 </a:solidFill>
@@ -5705,14 +5853,14 @@
             </a:r>
           </a:p>
           <a:p>
-            <a:pPr algn="just" marL="453390" indent="-226695" lvl="1">
+            <a:pPr marL="453390" lvl="1" indent="-226695" algn="just">
               <a:lnSpc>
                 <a:spcPts val="2940"/>
               </a:lnSpc>
-              <a:buAutoNum type="arabicPeriod" startAt="1"/>
+              <a:buAutoNum type="arabicPeriod"/>
             </a:pPr>
             <a:r>
-              <a:rPr lang="en-US" b="true" sz="2100">
+              <a:rPr lang="en-US" sz="2100" b="1">
                 <a:solidFill>
                   <a:srgbClr val="F4F6FC"/>
                 </a:solidFill>
@@ -5725,7 +5873,7 @@
             </a:r>
           </a:p>
           <a:p>
-            <a:pPr algn="just" marL="906780" indent="-302260" lvl="2">
+            <a:pPr marL="906780" lvl="2" indent="-302260" algn="just">
               <a:lnSpc>
                 <a:spcPts val="2940"/>
               </a:lnSpc>
@@ -5733,7 +5881,7 @@
               <a:buChar char="⚬"/>
             </a:pPr>
             <a:r>
-              <a:rPr lang="en-US" b="true" sz="2100">
+              <a:rPr lang="en-US" sz="2100" b="1">
                 <a:solidFill>
                   <a:srgbClr val="F4F6FC"/>
                 </a:solidFill>
@@ -5746,7 +5894,7 @@
             </a:r>
           </a:p>
           <a:p>
-            <a:pPr algn="just" marL="906780" indent="-302260" lvl="2">
+            <a:pPr marL="906780" lvl="2" indent="-302260" algn="just">
               <a:lnSpc>
                 <a:spcPts val="2940"/>
               </a:lnSpc>
@@ -5754,7 +5902,7 @@
               <a:buChar char="⚬"/>
             </a:pPr>
             <a:r>
-              <a:rPr lang="en-US" b="true" sz="2100">
+              <a:rPr lang="en-US" sz="2100" b="1">
                 <a:solidFill>
                   <a:srgbClr val="F4F6FC"/>
                 </a:solidFill>
@@ -5767,14 +5915,14 @@
             </a:r>
           </a:p>
           <a:p>
-            <a:pPr algn="just" marL="453390" indent="-226695" lvl="1">
+            <a:pPr marL="453390" lvl="1" indent="-226695" algn="just">
               <a:lnSpc>
                 <a:spcPts val="2940"/>
               </a:lnSpc>
-              <a:buAutoNum type="arabicPeriod" startAt="1"/>
+              <a:buAutoNum type="arabicPeriod"/>
             </a:pPr>
             <a:r>
-              <a:rPr lang="en-US" b="true" sz="2100">
+              <a:rPr lang="en-US" sz="2100" b="1">
                 <a:solidFill>
                   <a:srgbClr val="F4F6FC"/>
                 </a:solidFill>
@@ -5786,7 +5934,7 @@
               <a:t>Bases de datos: Utilizar datasets públicos como el de </a:t>
             </a:r>
             <a:r>
-              <a:rPr lang="en-US" b="true" sz="2100" u="sng">
+              <a:rPr lang="en-US" sz="2100" b="1" u="sng">
                 <a:solidFill>
                   <a:srgbClr val="F4F6FC"/>
                 </a:solidFill>
@@ -5799,7 +5947,7 @@
               <a:t>Phishing Websites DataSet</a:t>
             </a:r>
             <a:r>
-              <a:rPr lang="en-US" b="true" sz="2100">
+              <a:rPr lang="en-US" sz="2100" b="1">
                 <a:solidFill>
                   <a:srgbClr val="F4F6FC"/>
                 </a:solidFill>
@@ -5812,14 +5960,14 @@
             </a:r>
           </a:p>
           <a:p>
-            <a:pPr algn="just" marL="453390" indent="-226695" lvl="1">
+            <a:pPr marL="453390" lvl="1" indent="-226695" algn="just">
               <a:lnSpc>
                 <a:spcPts val="2940"/>
               </a:lnSpc>
-              <a:buAutoNum type="arabicPeriod" startAt="1"/>
+              <a:buAutoNum type="arabicPeriod"/>
             </a:pPr>
             <a:r>
-              <a:rPr lang="en-US" b="true" sz="2100">
+              <a:rPr lang="en-US" sz="2100" b="1">
                 <a:solidFill>
                   <a:srgbClr val="F4F6FC"/>
                 </a:solidFill>
@@ -5832,7 +5980,7 @@
             </a:r>
           </a:p>
           <a:p>
-            <a:pPr algn="just" marL="906780" indent="-302260" lvl="2">
+            <a:pPr marL="906780" lvl="2" indent="-302260" algn="just">
               <a:lnSpc>
                 <a:spcPts val="2940"/>
               </a:lnSpc>
@@ -5840,7 +5988,7 @@
               <a:buChar char="⚬"/>
             </a:pPr>
             <a:r>
-              <a:rPr lang="en-US" b="true" sz="2100">
+              <a:rPr lang="en-US" sz="2100" b="1">
                 <a:solidFill>
                   <a:srgbClr val="F4F6FC"/>
                 </a:solidFill>
@@ -5853,7 +6001,7 @@
             </a:r>
           </a:p>
           <a:p>
-            <a:pPr algn="just" marL="906780" indent="-302260" lvl="2">
+            <a:pPr marL="906780" lvl="2" indent="-302260" algn="just">
               <a:lnSpc>
                 <a:spcPts val="2940"/>
               </a:lnSpc>
@@ -5861,7 +6009,7 @@
               <a:buChar char="⚬"/>
             </a:pPr>
             <a:r>
-              <a:rPr lang="en-US" b="true" sz="2100">
+              <a:rPr lang="en-US" sz="2100" b="1">
                 <a:solidFill>
                   <a:srgbClr val="F4F6FC"/>
                 </a:solidFill>
@@ -5879,17 +6027,26 @@
                 <a:spcPts val="2940"/>
               </a:lnSpc>
             </a:pPr>
-          </a:p>
-        </p:txBody>
-      </p:sp>
-      <p:sp>
-        <p:nvSpPr>
-          <p:cNvPr name="Freeform 3" id="3"/>
+            <a:endParaRPr lang="en-US" sz="2100" b="1">
+              <a:solidFill>
+                <a:srgbClr val="F4F6FC"/>
+              </a:solidFill>
+              <a:latin typeface="Open Sans Medium"/>
+              <a:ea typeface="Open Sans Medium"/>
+              <a:cs typeface="Open Sans Medium"/>
+              <a:sym typeface="Open Sans Medium"/>
+            </a:endParaRPr>
+          </a:p>
+        </p:txBody>
+      </p:sp>
+      <p:sp>
+        <p:nvSpPr>
+          <p:cNvPr id="3" name="Freeform 3"/>
           <p:cNvSpPr/>
           <p:nvPr/>
         </p:nvSpPr>
         <p:spPr>
-          <a:xfrm flipH="false" flipV="false" rot="0">
+          <a:xfrm>
             <a:off x="-473498" y="9028993"/>
             <a:ext cx="3442247" cy="4114800"/>
           </a:xfrm>
@@ -5898,9 +6055,9 @@
             <a:gdLst/>
             <a:ahLst/>
             <a:cxnLst/>
-            <a:rect r="r" b="b" t="t" l="l"/>
+            <a:rect l="l" t="t" r="r" b="b"/>
             <a:pathLst>
-              <a:path h="4114800" w="3442247">
+              <a:path w="3442247" h="4114800">
                 <a:moveTo>
                   <a:pt x="0" y="0"/>
                 </a:moveTo>
@@ -5929,19 +6086,26 @@
               </a:extLst>
             </a:blip>
             <a:stretch>
-              <a:fillRect l="0" t="0" r="0" b="0"/>
+              <a:fillRect/>
             </a:stretch>
           </a:blipFill>
         </p:spPr>
-      </p:sp>
-      <p:sp>
-        <p:nvSpPr>
-          <p:cNvPr name="Freeform 4" id="4"/>
+        <p:txBody>
+          <a:bodyPr/>
+          <a:lstStyle/>
+          <a:p>
+            <a:endParaRPr lang="es-AR"/>
+          </a:p>
+        </p:txBody>
+      </p:sp>
+      <p:sp>
+        <p:nvSpPr>
+          <p:cNvPr id="4" name="Freeform 4"/>
           <p:cNvSpPr/>
           <p:nvPr/>
         </p:nvSpPr>
         <p:spPr>
-          <a:xfrm flipH="false" flipV="false" rot="0">
+          <a:xfrm>
             <a:off x="3408362" y="7955749"/>
             <a:ext cx="3442247" cy="4114800"/>
           </a:xfrm>
@@ -5950,9 +6114,9 @@
             <a:gdLst/>
             <a:ahLst/>
             <a:cxnLst/>
-            <a:rect r="r" b="b" t="t" l="l"/>
+            <a:rect l="l" t="t" r="r" b="b"/>
             <a:pathLst>
-              <a:path h="4114800" w="3442247">
+              <a:path w="3442247" h="4114800">
                 <a:moveTo>
                   <a:pt x="0" y="0"/>
                 </a:moveTo>
@@ -5981,19 +6145,26 @@
               </a:extLst>
             </a:blip>
             <a:stretch>
-              <a:fillRect l="0" t="0" r="0" b="0"/>
+              <a:fillRect/>
             </a:stretch>
           </a:blipFill>
         </p:spPr>
-      </p:sp>
-      <p:sp>
-        <p:nvSpPr>
-          <p:cNvPr name="Freeform 5" id="5"/>
+        <p:txBody>
+          <a:bodyPr/>
+          <a:lstStyle/>
+          <a:p>
+            <a:endParaRPr lang="es-AR"/>
+          </a:p>
+        </p:txBody>
+      </p:sp>
+      <p:sp>
+        <p:nvSpPr>
+          <p:cNvPr id="5" name="Freeform 5"/>
           <p:cNvSpPr/>
           <p:nvPr/>
         </p:nvSpPr>
         <p:spPr>
-          <a:xfrm flipH="false" flipV="false" rot="0">
+          <a:xfrm>
             <a:off x="7288760" y="9049584"/>
             <a:ext cx="3442247" cy="4114800"/>
           </a:xfrm>
@@ -6002,9 +6173,9 @@
             <a:gdLst/>
             <a:ahLst/>
             <a:cxnLst/>
-            <a:rect r="r" b="b" t="t" l="l"/>
+            <a:rect l="l" t="t" r="r" b="b"/>
             <a:pathLst>
-              <a:path h="4114800" w="3442247">
+              <a:path w="3442247" h="4114800">
                 <a:moveTo>
                   <a:pt x="0" y="0"/>
                 </a:moveTo>
@@ -6033,19 +6204,26 @@
               </a:extLst>
             </a:blip>
             <a:stretch>
-              <a:fillRect l="0" t="0" r="0" b="0"/>
+              <a:fillRect/>
             </a:stretch>
           </a:blipFill>
         </p:spPr>
-      </p:sp>
-      <p:sp>
-        <p:nvSpPr>
-          <p:cNvPr name="Freeform 6" id="6"/>
+        <p:txBody>
+          <a:bodyPr/>
+          <a:lstStyle/>
+          <a:p>
+            <a:endParaRPr lang="es-AR"/>
+          </a:p>
+        </p:txBody>
+      </p:sp>
+      <p:sp>
+        <p:nvSpPr>
+          <p:cNvPr id="6" name="Freeform 6"/>
           <p:cNvSpPr/>
           <p:nvPr/>
         </p:nvSpPr>
         <p:spPr>
-          <a:xfrm flipH="false" flipV="false" rot="0">
+          <a:xfrm>
             <a:off x="11170620" y="7976340"/>
             <a:ext cx="3442247" cy="4114800"/>
           </a:xfrm>
@@ -6054,9 +6232,9 @@
             <a:gdLst/>
             <a:ahLst/>
             <a:cxnLst/>
-            <a:rect r="r" b="b" t="t" l="l"/>
+            <a:rect l="l" t="t" r="r" b="b"/>
             <a:pathLst>
-              <a:path h="4114800" w="3442247">
+              <a:path w="3442247" h="4114800">
                 <a:moveTo>
                   <a:pt x="0" y="0"/>
                 </a:moveTo>
@@ -6085,19 +6263,26 @@
               </a:extLst>
             </a:blip>
             <a:stretch>
-              <a:fillRect l="0" t="0" r="0" b="0"/>
+              <a:fillRect/>
             </a:stretch>
           </a:blipFill>
         </p:spPr>
-      </p:sp>
-      <p:sp>
-        <p:nvSpPr>
-          <p:cNvPr name="Freeform 7" id="7"/>
+        <p:txBody>
+          <a:bodyPr/>
+          <a:lstStyle/>
+          <a:p>
+            <a:endParaRPr lang="es-AR"/>
+          </a:p>
+        </p:txBody>
+      </p:sp>
+      <p:sp>
+        <p:nvSpPr>
+          <p:cNvPr id="7" name="Freeform 7"/>
           <p:cNvSpPr/>
           <p:nvPr/>
         </p:nvSpPr>
         <p:spPr>
-          <a:xfrm flipH="false" flipV="false" rot="0">
+          <a:xfrm>
             <a:off x="15051017" y="9378911"/>
             <a:ext cx="3442247" cy="4114800"/>
           </a:xfrm>
@@ -6106,9 +6291,9 @@
             <a:gdLst/>
             <a:ahLst/>
             <a:cxnLst/>
-            <a:rect r="r" b="b" t="t" l="l"/>
+            <a:rect l="l" t="t" r="r" b="b"/>
             <a:pathLst>
-              <a:path h="4114800" w="3442247">
+              <a:path w="3442247" h="4114800">
                 <a:moveTo>
                   <a:pt x="0" y="0"/>
                 </a:moveTo>
@@ -6137,19 +6322,26 @@
               </a:extLst>
             </a:blip>
             <a:stretch>
-              <a:fillRect l="0" t="0" r="0" b="0"/>
+              <a:fillRect/>
             </a:stretch>
           </a:blipFill>
         </p:spPr>
-      </p:sp>
-      <p:sp>
-        <p:nvSpPr>
-          <p:cNvPr name="Freeform 8" id="8"/>
+        <p:txBody>
+          <a:bodyPr/>
+          <a:lstStyle/>
+          <a:p>
+            <a:endParaRPr lang="es-AR"/>
+          </a:p>
+        </p:txBody>
+      </p:sp>
+      <p:sp>
+        <p:nvSpPr>
+          <p:cNvPr id="8" name="Freeform 8"/>
           <p:cNvSpPr/>
           <p:nvPr/>
         </p:nvSpPr>
         <p:spPr>
-          <a:xfrm flipH="false" flipV="false" rot="0">
+          <a:xfrm>
             <a:off x="-473498" y="-1695737"/>
             <a:ext cx="3442247" cy="4114800"/>
           </a:xfrm>
@@ -6158,9 +6350,9 @@
             <a:gdLst/>
             <a:ahLst/>
             <a:cxnLst/>
-            <a:rect r="r" b="b" t="t" l="l"/>
+            <a:rect l="l" t="t" r="r" b="b"/>
             <a:pathLst>
-              <a:path h="4114800" w="3442247">
+              <a:path w="3442247" h="4114800">
                 <a:moveTo>
                   <a:pt x="0" y="0"/>
                 </a:moveTo>
@@ -6189,19 +6381,26 @@
               </a:extLst>
             </a:blip>
             <a:stretch>
-              <a:fillRect l="0" t="0" r="0" b="0"/>
+              <a:fillRect/>
             </a:stretch>
           </a:blipFill>
         </p:spPr>
-      </p:sp>
-      <p:sp>
-        <p:nvSpPr>
-          <p:cNvPr name="Freeform 9" id="9"/>
+        <p:txBody>
+          <a:bodyPr/>
+          <a:lstStyle/>
+          <a:p>
+            <a:endParaRPr lang="es-AR"/>
+          </a:p>
+        </p:txBody>
+      </p:sp>
+      <p:sp>
+        <p:nvSpPr>
+          <p:cNvPr id="9" name="Freeform 9"/>
           <p:cNvSpPr/>
           <p:nvPr/>
         </p:nvSpPr>
         <p:spPr>
-          <a:xfrm flipH="false" flipV="false" rot="0">
+          <a:xfrm>
             <a:off x="15051017" y="-1345819"/>
             <a:ext cx="3442247" cy="4114800"/>
           </a:xfrm>
@@ -6210,9 +6409,9 @@
             <a:gdLst/>
             <a:ahLst/>
             <a:cxnLst/>
-            <a:rect r="r" b="b" t="t" l="l"/>
+            <a:rect l="l" t="t" r="r" b="b"/>
             <a:pathLst>
-              <a:path h="4114800" w="3442247">
+              <a:path w="3442247" h="4114800">
                 <a:moveTo>
                   <a:pt x="0" y="0"/>
                 </a:moveTo>
@@ -6241,19 +6440,26 @@
               </a:extLst>
             </a:blip>
             <a:stretch>
-              <a:fillRect l="0" t="0" r="0" b="0"/>
+              <a:fillRect/>
             </a:stretch>
           </a:blipFill>
         </p:spPr>
-      </p:sp>
-      <p:sp>
-        <p:nvSpPr>
-          <p:cNvPr name="TextBox 10" id="10"/>
-          <p:cNvSpPr txBox="true"/>
+        <p:txBody>
+          <a:bodyPr/>
+          <a:lstStyle/>
+          <a:p>
+            <a:endParaRPr lang="es-AR"/>
+          </a:p>
+        </p:txBody>
+      </p:sp>
+      <p:sp>
+        <p:nvSpPr>
+          <p:cNvPr id="10" name="TextBox 10"/>
+          <p:cNvSpPr txBox="1"/>
           <p:nvPr/>
         </p:nvSpPr>
         <p:spPr>
-          <a:xfrm rot="0">
+          <a:xfrm>
             <a:off x="2968749" y="1057275"/>
             <a:ext cx="11644118" cy="2228215"/>
           </a:xfrm>
@@ -6262,7 +6468,7 @@
           </a:prstGeom>
         </p:spPr>
         <p:txBody>
-          <a:bodyPr anchor="t" rtlCol="false" tIns="0" lIns="0" bIns="0" rIns="0">
+          <a:bodyPr lIns="0" tIns="0" rIns="0" bIns="0" rtlCol="0" anchor="t">
             <a:spAutoFit/>
           </a:bodyPr>
           <a:lstStyle/>
@@ -6273,7 +6479,7 @@
               </a:lnSpc>
             </a:pPr>
             <a:r>
-              <a:rPr lang="en-US" b="true" sz="6399">
+              <a:rPr lang="en-US" sz="6399" b="1">
                 <a:solidFill>
                   <a:srgbClr val="CAE8FF"/>
                 </a:solidFill>
